--- a/2013级本科毕设开题检查要求+报告模板+样例/软件学院本科毕业设计（论文）开题答辩+1133730206+李天宝.pptx
+++ b/2013级本科毕设开题检查要求+报告模板+样例/软件学院本科毕业设计（论文）开题答辩+1133730206+李天宝.pptx
@@ -4,8 +4,11 @@
   <p:sldMasterIdLst>
     <p:sldMasterId id="2147483648" r:id="rId1"/>
   </p:sldMasterIdLst>
+  <p:notesMasterIdLst>
+    <p:notesMasterId r:id="rId16"/>
+  </p:notesMasterIdLst>
   <p:handoutMasterIdLst>
-    <p:handoutMasterId r:id="rId16"/>
+    <p:handoutMasterId r:id="rId17"/>
   </p:handoutMasterIdLst>
   <p:sldIdLst>
     <p:sldId id="256" r:id="rId2"/>
@@ -27,40 +30,36 @@
   <p:notesSz cx="6858000" cy="9144000"/>
   <p:embeddedFontLst>
     <p:embeddedFont>
-      <p:font typeface="华文行楷" panose="02010800040101010101" pitchFamily="2" charset="-122"/>
-      <p:regular r:id="rId17"/>
+      <p:font typeface="微软雅黑" panose="020B0503020204020204" pitchFamily="34" charset="-122"/>
+      <p:regular r:id="rId18"/>
+      <p:bold r:id="rId19"/>
+    </p:embeddedFont>
+    <p:embeddedFont>
+      <p:font typeface="方正正黑简体" panose="02010600030101010101" charset="-122"/>
+      <p:regular r:id="rId20"/>
+    </p:embeddedFont>
+    <p:embeddedFont>
+      <p:font typeface="Impact" panose="020B0806030902050204" pitchFamily="34" charset="0"/>
+      <p:regular r:id="rId21"/>
     </p:embeddedFont>
     <p:embeddedFont>
       <p:font typeface="造字工房悦黑体验版常规体" panose="02010600030101010101" charset="-122"/>
-      <p:regular r:id="rId18"/>
+      <p:regular r:id="rId22"/>
+    </p:embeddedFont>
+    <p:embeddedFont>
+      <p:font typeface="楷体" panose="02010609060101010101" pitchFamily="49" charset="-122"/>
+      <p:regular r:id="rId23"/>
     </p:embeddedFont>
     <p:embeddedFont>
       <p:font typeface="方正兰亭细黑_GBK" panose="02010600030101010101" charset="-122"/>
-      <p:regular r:id="rId19"/>
+      <p:regular r:id="rId24"/>
     </p:embeddedFont>
     <p:embeddedFont>
-      <p:font typeface="方正正大黑简体" panose="02010600030101010101" charset="-122"/>
-      <p:regular r:id="rId20"/>
-    </p:embeddedFont>
-    <p:embeddedFont>
-      <p:font typeface="汉仪菱心体简" panose="02010600030101010101" charset="-122"/>
-      <p:regular r:id="rId21"/>
-    </p:embeddedFont>
-    <p:embeddedFont>
-      <p:font typeface="微软雅黑" panose="020B0503020204020204" pitchFamily="34" charset="-122"/>
-      <p:regular r:id="rId22"/>
-      <p:bold r:id="rId23"/>
+      <p:font typeface="华文行楷" panose="02010800040101010101" pitchFamily="2" charset="-122"/>
+      <p:regular r:id="rId25"/>
     </p:embeddedFont>
     <p:embeddedFont>
       <p:font typeface="微软雅黑 Light" panose="020B0502040204020203" pitchFamily="34" charset="-122"/>
-      <p:regular r:id="rId24"/>
-    </p:embeddedFont>
-    <p:embeddedFont>
-      <p:font typeface="Impact" panose="020B0806030902050204" pitchFamily="34" charset="0"/>
-      <p:regular r:id="rId25"/>
-    </p:embeddedFont>
-    <p:embeddedFont>
-      <p:font typeface="楷体" panose="02010609060101010101" pitchFamily="49" charset="-122"/>
       <p:regular r:id="rId26"/>
     </p:embeddedFont>
     <p:embeddedFont>
@@ -71,12 +70,16 @@
       <p:boldItalic r:id="rId30"/>
     </p:embeddedFont>
     <p:embeddedFont>
-      <p:font typeface="方正正黑简体" panose="02010600030101010101" charset="-122"/>
+      <p:font typeface="汉仪菱心体简" panose="02010600030101010101" charset="-122"/>
       <p:regular r:id="rId31"/>
     </p:embeddedFont>
     <p:embeddedFont>
       <p:font typeface="幼圆" panose="02010509060101010101" pitchFamily="49" charset="-122"/>
       <p:regular r:id="rId32"/>
+    </p:embeddedFont>
+    <p:embeddedFont>
+      <p:font typeface="方正正大黑简体" panose="02010600030101010101" charset="-122"/>
+      <p:regular r:id="rId33"/>
     </p:embeddedFont>
   </p:embeddedFontLst>
   <p:defaultTextStyle>
@@ -313,7 +316,7 @@
           <a:p>
             <a:fld id="{38380A67-7BE8-4689-9826-C8F678C3F1DA}" type="datetimeFigureOut">
               <a:rPr lang="zh-CN" altLang="en-US" smtClean="0"/>
-              <a:t>2016/11/17</a:t>
+              <a:t>2016/11/18</a:t>
             </a:fld>
             <a:endParaRPr lang="zh-CN" altLang="en-US"/>
           </a:p>
@@ -394,6 +397,1118 @@
   </p:cSld>
   <p:clrMap bg1="lt1" tx1="dk1" bg2="lt2" tx2="dk2" accent1="accent1" accent2="accent2" accent3="accent3" accent4="accent4" accent5="accent5" accent6="accent6" hlink="hlink" folHlink="folHlink"/>
 </p:handoutMaster>
+</file>
+
+<file path=ppt/notesMasters/notesMaster1.xml><?xml version="1.0" encoding="utf-8"?>
+<p:notesMaster xmlns:a="http://schemas.openxmlformats.org/drawingml/2006/main" xmlns:r="http://schemas.openxmlformats.org/officeDocument/2006/relationships" xmlns:p="http://schemas.openxmlformats.org/presentationml/2006/main">
+  <p:cSld>
+    <p:bg>
+      <p:bgRef idx="1001">
+        <a:schemeClr val="bg1"/>
+      </p:bgRef>
+    </p:bg>
+    <p:spTree>
+      <p:nvGrpSpPr>
+        <p:cNvPr id="1" name=""/>
+        <p:cNvGrpSpPr/>
+        <p:nvPr/>
+      </p:nvGrpSpPr>
+      <p:grpSpPr>
+        <a:xfrm>
+          <a:off x="0" y="0"/>
+          <a:ext cx="0" cy="0"/>
+          <a:chOff x="0" y="0"/>
+          <a:chExt cx="0" cy="0"/>
+        </a:xfrm>
+      </p:grpSpPr>
+      <p:sp>
+        <p:nvSpPr>
+          <p:cNvPr id="2" name="页眉占位符 1"/>
+          <p:cNvSpPr>
+            <a:spLocks noGrp="1"/>
+          </p:cNvSpPr>
+          <p:nvPr>
+            <p:ph type="hdr" sz="quarter"/>
+          </p:nvPr>
+        </p:nvSpPr>
+        <p:spPr>
+          <a:xfrm>
+            <a:off x="0" y="0"/>
+            <a:ext cx="2971800" cy="458788"/>
+          </a:xfrm>
+          <a:prstGeom prst="rect">
+            <a:avLst/>
+          </a:prstGeom>
+        </p:spPr>
+        <p:txBody>
+          <a:bodyPr vert="horz" lIns="91440" tIns="45720" rIns="91440" bIns="45720" rtlCol="0"/>
+          <a:lstStyle>
+            <a:lvl1pPr algn="l">
+              <a:defRPr sz="1200"/>
+            </a:lvl1pPr>
+          </a:lstStyle>
+          <a:p>
+            <a:endParaRPr lang="zh-CN" altLang="en-US"/>
+          </a:p>
+        </p:txBody>
+      </p:sp>
+      <p:sp>
+        <p:nvSpPr>
+          <p:cNvPr id="3" name="日期占位符 2"/>
+          <p:cNvSpPr>
+            <a:spLocks noGrp="1"/>
+          </p:cNvSpPr>
+          <p:nvPr>
+            <p:ph type="dt" idx="1"/>
+          </p:nvPr>
+        </p:nvSpPr>
+        <p:spPr>
+          <a:xfrm>
+            <a:off x="3884613" y="0"/>
+            <a:ext cx="2971800" cy="458788"/>
+          </a:xfrm>
+          <a:prstGeom prst="rect">
+            <a:avLst/>
+          </a:prstGeom>
+        </p:spPr>
+        <p:txBody>
+          <a:bodyPr vert="horz" lIns="91440" tIns="45720" rIns="91440" bIns="45720" rtlCol="0"/>
+          <a:lstStyle>
+            <a:lvl1pPr algn="r">
+              <a:defRPr sz="1200"/>
+            </a:lvl1pPr>
+          </a:lstStyle>
+          <a:p>
+            <a:fld id="{DB2AAE72-7444-4EB5-91EF-5BB15B1729FF}" type="datetimeFigureOut">
+              <a:rPr lang="zh-CN" altLang="en-US" smtClean="0"/>
+              <a:t>2016/11/18</a:t>
+            </a:fld>
+            <a:endParaRPr lang="zh-CN" altLang="en-US"/>
+          </a:p>
+        </p:txBody>
+      </p:sp>
+      <p:sp>
+        <p:nvSpPr>
+          <p:cNvPr id="4" name="幻灯片图像占位符 3"/>
+          <p:cNvSpPr>
+            <a:spLocks noGrp="1" noRot="1" noChangeAspect="1"/>
+          </p:cNvSpPr>
+          <p:nvPr>
+            <p:ph type="sldImg" idx="2"/>
+          </p:nvPr>
+        </p:nvSpPr>
+        <p:spPr>
+          <a:xfrm>
+            <a:off x="685800" y="1143000"/>
+            <a:ext cx="5486400" cy="3086100"/>
+          </a:xfrm>
+          <a:prstGeom prst="rect">
+            <a:avLst/>
+          </a:prstGeom>
+          <a:noFill/>
+          <a:ln w="12700">
+            <a:solidFill>
+              <a:prstClr val="black"/>
+            </a:solidFill>
+          </a:ln>
+        </p:spPr>
+        <p:txBody>
+          <a:bodyPr vert="horz" lIns="91440" tIns="45720" rIns="91440" bIns="45720" rtlCol="0" anchor="ctr"/>
+          <a:lstStyle/>
+          <a:p>
+            <a:endParaRPr lang="zh-CN" altLang="en-US"/>
+          </a:p>
+        </p:txBody>
+      </p:sp>
+      <p:sp>
+        <p:nvSpPr>
+          <p:cNvPr id="5" name="备注占位符 4"/>
+          <p:cNvSpPr>
+            <a:spLocks noGrp="1"/>
+          </p:cNvSpPr>
+          <p:nvPr>
+            <p:ph type="body" sz="quarter" idx="3"/>
+          </p:nvPr>
+        </p:nvSpPr>
+        <p:spPr>
+          <a:xfrm>
+            <a:off x="685800" y="4400550"/>
+            <a:ext cx="5486400" cy="3600450"/>
+          </a:xfrm>
+          <a:prstGeom prst="rect">
+            <a:avLst/>
+          </a:prstGeom>
+        </p:spPr>
+        <p:txBody>
+          <a:bodyPr vert="horz" lIns="91440" tIns="45720" rIns="91440" bIns="45720" rtlCol="0"/>
+          <a:lstStyle/>
+          <a:p>
+            <a:pPr lvl="0"/>
+            <a:r>
+              <a:rPr lang="zh-CN" altLang="en-US" smtClean="0"/>
+              <a:t>单击此处编辑母版文本样式</a:t>
+            </a:r>
+          </a:p>
+          <a:p>
+            <a:pPr lvl="1"/>
+            <a:r>
+              <a:rPr lang="zh-CN" altLang="en-US" smtClean="0"/>
+              <a:t>第二级</a:t>
+            </a:r>
+          </a:p>
+          <a:p>
+            <a:pPr lvl="2"/>
+            <a:r>
+              <a:rPr lang="zh-CN" altLang="en-US" smtClean="0"/>
+              <a:t>第三级</a:t>
+            </a:r>
+          </a:p>
+          <a:p>
+            <a:pPr lvl="3"/>
+            <a:r>
+              <a:rPr lang="zh-CN" altLang="en-US" smtClean="0"/>
+              <a:t>第四级</a:t>
+            </a:r>
+          </a:p>
+          <a:p>
+            <a:pPr lvl="4"/>
+            <a:r>
+              <a:rPr lang="zh-CN" altLang="en-US" smtClean="0"/>
+              <a:t>第五级</a:t>
+            </a:r>
+            <a:endParaRPr lang="zh-CN" altLang="en-US"/>
+          </a:p>
+        </p:txBody>
+      </p:sp>
+      <p:sp>
+        <p:nvSpPr>
+          <p:cNvPr id="6" name="页脚占位符 5"/>
+          <p:cNvSpPr>
+            <a:spLocks noGrp="1"/>
+          </p:cNvSpPr>
+          <p:nvPr>
+            <p:ph type="ftr" sz="quarter" idx="4"/>
+          </p:nvPr>
+        </p:nvSpPr>
+        <p:spPr>
+          <a:xfrm>
+            <a:off x="0" y="8685213"/>
+            <a:ext cx="2971800" cy="458787"/>
+          </a:xfrm>
+          <a:prstGeom prst="rect">
+            <a:avLst/>
+          </a:prstGeom>
+        </p:spPr>
+        <p:txBody>
+          <a:bodyPr vert="horz" lIns="91440" tIns="45720" rIns="91440" bIns="45720" rtlCol="0" anchor="b"/>
+          <a:lstStyle>
+            <a:lvl1pPr algn="l">
+              <a:defRPr sz="1200"/>
+            </a:lvl1pPr>
+          </a:lstStyle>
+          <a:p>
+            <a:endParaRPr lang="zh-CN" altLang="en-US"/>
+          </a:p>
+        </p:txBody>
+      </p:sp>
+      <p:sp>
+        <p:nvSpPr>
+          <p:cNvPr id="7" name="灯片编号占位符 6"/>
+          <p:cNvSpPr>
+            <a:spLocks noGrp="1"/>
+          </p:cNvSpPr>
+          <p:nvPr>
+            <p:ph type="sldNum" sz="quarter" idx="5"/>
+          </p:nvPr>
+        </p:nvSpPr>
+        <p:spPr>
+          <a:xfrm>
+            <a:off x="3884613" y="8685213"/>
+            <a:ext cx="2971800" cy="458787"/>
+          </a:xfrm>
+          <a:prstGeom prst="rect">
+            <a:avLst/>
+          </a:prstGeom>
+        </p:spPr>
+        <p:txBody>
+          <a:bodyPr vert="horz" lIns="91440" tIns="45720" rIns="91440" bIns="45720" rtlCol="0" anchor="b"/>
+          <a:lstStyle>
+            <a:lvl1pPr algn="r">
+              <a:defRPr sz="1200"/>
+            </a:lvl1pPr>
+          </a:lstStyle>
+          <a:p>
+            <a:fld id="{DE49CEA1-4865-4C3D-9488-DE78CE33F6AB}" type="slidenum">
+              <a:rPr lang="zh-CN" altLang="en-US" smtClean="0"/>
+              <a:t>‹#›</a:t>
+            </a:fld>
+            <a:endParaRPr lang="zh-CN" altLang="en-US"/>
+          </a:p>
+        </p:txBody>
+      </p:sp>
+    </p:spTree>
+    <p:extLst>
+      <p:ext uri="{BB962C8B-B14F-4D97-AF65-F5344CB8AC3E}">
+        <p14:creationId xmlns:p14="http://schemas.microsoft.com/office/powerpoint/2010/main" val="3305228473"/>
+      </p:ext>
+    </p:extLst>
+  </p:cSld>
+  <p:clrMap bg1="lt1" tx1="dk1" bg2="lt2" tx2="dk2" accent1="accent1" accent2="accent2" accent3="accent3" accent4="accent4" accent5="accent5" accent6="accent6" hlink="hlink" folHlink="folHlink"/>
+  <p:notesStyle>
+    <a:lvl1pPr marL="0" algn="l" defTabSz="914400" rtl="0" eaLnBrk="1" latinLnBrk="0" hangingPunct="1">
+      <a:defRPr sz="1200" kern="1200">
+        <a:solidFill>
+          <a:schemeClr val="tx1"/>
+        </a:solidFill>
+        <a:latin typeface="+mn-lt"/>
+        <a:ea typeface="+mn-ea"/>
+        <a:cs typeface="+mn-cs"/>
+      </a:defRPr>
+    </a:lvl1pPr>
+    <a:lvl2pPr marL="457200" algn="l" defTabSz="914400" rtl="0" eaLnBrk="1" latinLnBrk="0" hangingPunct="1">
+      <a:defRPr sz="1200" kern="1200">
+        <a:solidFill>
+          <a:schemeClr val="tx1"/>
+        </a:solidFill>
+        <a:latin typeface="+mn-lt"/>
+        <a:ea typeface="+mn-ea"/>
+        <a:cs typeface="+mn-cs"/>
+      </a:defRPr>
+    </a:lvl2pPr>
+    <a:lvl3pPr marL="914400" algn="l" defTabSz="914400" rtl="0" eaLnBrk="1" latinLnBrk="0" hangingPunct="1">
+      <a:defRPr sz="1200" kern="1200">
+        <a:solidFill>
+          <a:schemeClr val="tx1"/>
+        </a:solidFill>
+        <a:latin typeface="+mn-lt"/>
+        <a:ea typeface="+mn-ea"/>
+        <a:cs typeface="+mn-cs"/>
+      </a:defRPr>
+    </a:lvl3pPr>
+    <a:lvl4pPr marL="1371600" algn="l" defTabSz="914400" rtl="0" eaLnBrk="1" latinLnBrk="0" hangingPunct="1">
+      <a:defRPr sz="1200" kern="1200">
+        <a:solidFill>
+          <a:schemeClr val="tx1"/>
+        </a:solidFill>
+        <a:latin typeface="+mn-lt"/>
+        <a:ea typeface="+mn-ea"/>
+        <a:cs typeface="+mn-cs"/>
+      </a:defRPr>
+    </a:lvl4pPr>
+    <a:lvl5pPr marL="1828800" algn="l" defTabSz="914400" rtl="0" eaLnBrk="1" latinLnBrk="0" hangingPunct="1">
+      <a:defRPr sz="1200" kern="1200">
+        <a:solidFill>
+          <a:schemeClr val="tx1"/>
+        </a:solidFill>
+        <a:latin typeface="+mn-lt"/>
+        <a:ea typeface="+mn-ea"/>
+        <a:cs typeface="+mn-cs"/>
+      </a:defRPr>
+    </a:lvl5pPr>
+    <a:lvl6pPr marL="2286000" algn="l" defTabSz="914400" rtl="0" eaLnBrk="1" latinLnBrk="0" hangingPunct="1">
+      <a:defRPr sz="1200" kern="1200">
+        <a:solidFill>
+          <a:schemeClr val="tx1"/>
+        </a:solidFill>
+        <a:latin typeface="+mn-lt"/>
+        <a:ea typeface="+mn-ea"/>
+        <a:cs typeface="+mn-cs"/>
+      </a:defRPr>
+    </a:lvl6pPr>
+    <a:lvl7pPr marL="2743200" algn="l" defTabSz="914400" rtl="0" eaLnBrk="1" latinLnBrk="0" hangingPunct="1">
+      <a:defRPr sz="1200" kern="1200">
+        <a:solidFill>
+          <a:schemeClr val="tx1"/>
+        </a:solidFill>
+        <a:latin typeface="+mn-lt"/>
+        <a:ea typeface="+mn-ea"/>
+        <a:cs typeface="+mn-cs"/>
+      </a:defRPr>
+    </a:lvl7pPr>
+    <a:lvl8pPr marL="3200400" algn="l" defTabSz="914400" rtl="0" eaLnBrk="1" latinLnBrk="0" hangingPunct="1">
+      <a:defRPr sz="1200" kern="1200">
+        <a:solidFill>
+          <a:schemeClr val="tx1"/>
+        </a:solidFill>
+        <a:latin typeface="+mn-lt"/>
+        <a:ea typeface="+mn-ea"/>
+        <a:cs typeface="+mn-cs"/>
+      </a:defRPr>
+    </a:lvl8pPr>
+    <a:lvl9pPr marL="3657600" algn="l" defTabSz="914400" rtl="0" eaLnBrk="1" latinLnBrk="0" hangingPunct="1">
+      <a:defRPr sz="1200" kern="1200">
+        <a:solidFill>
+          <a:schemeClr val="tx1"/>
+        </a:solidFill>
+        <a:latin typeface="+mn-lt"/>
+        <a:ea typeface="+mn-ea"/>
+        <a:cs typeface="+mn-cs"/>
+      </a:defRPr>
+    </a:lvl9pPr>
+  </p:notesStyle>
+</p:notesMaster>
+</file>
+
+<file path=ppt/notesSlides/notesSlide1.xml><?xml version="1.0" encoding="utf-8"?>
+<p:notes xmlns:a="http://schemas.openxmlformats.org/drawingml/2006/main" xmlns:r="http://schemas.openxmlformats.org/officeDocument/2006/relationships" xmlns:p="http://schemas.openxmlformats.org/presentationml/2006/main">
+  <p:cSld>
+    <p:spTree>
+      <p:nvGrpSpPr>
+        <p:cNvPr id="1" name=""/>
+        <p:cNvGrpSpPr/>
+        <p:nvPr/>
+      </p:nvGrpSpPr>
+      <p:grpSpPr>
+        <a:xfrm>
+          <a:off x="0" y="0"/>
+          <a:ext cx="0" cy="0"/>
+          <a:chOff x="0" y="0"/>
+          <a:chExt cx="0" cy="0"/>
+        </a:xfrm>
+      </p:grpSpPr>
+      <p:sp>
+        <p:nvSpPr>
+          <p:cNvPr id="2" name="幻灯片图像占位符 1"/>
+          <p:cNvSpPr>
+            <a:spLocks noGrp="1" noRot="1" noChangeAspect="1"/>
+          </p:cNvSpPr>
+          <p:nvPr>
+            <p:ph type="sldImg"/>
+          </p:nvPr>
+        </p:nvSpPr>
+        <p:spPr/>
+      </p:sp>
+      <p:sp>
+        <p:nvSpPr>
+          <p:cNvPr id="3" name="备注占位符 2"/>
+          <p:cNvSpPr>
+            <a:spLocks noGrp="1"/>
+          </p:cNvSpPr>
+          <p:nvPr>
+            <p:ph type="body" idx="1"/>
+          </p:nvPr>
+        </p:nvSpPr>
+        <p:spPr/>
+        <p:txBody>
+          <a:bodyPr/>
+          <a:lstStyle/>
+          <a:p>
+            <a:r>
+              <a:rPr lang="zh-CN" altLang="en-US" dirty="0" smtClean="0"/>
+              <a:t>各位老师好，我是来自物联网工程的李天宝，现在在上海骇咕赛信息科技有限公司进行实习。我的毕业设计题目是“基于知识库的海量异构数据集成系统的设计与实现”。</a:t>
+            </a:r>
+            <a:endParaRPr lang="zh-CN" altLang="en-US" dirty="0"/>
+          </a:p>
+        </p:txBody>
+      </p:sp>
+      <p:sp>
+        <p:nvSpPr>
+          <p:cNvPr id="4" name="灯片编号占位符 3"/>
+          <p:cNvSpPr>
+            <a:spLocks noGrp="1"/>
+          </p:cNvSpPr>
+          <p:nvPr>
+            <p:ph type="sldNum" sz="quarter" idx="10"/>
+          </p:nvPr>
+        </p:nvSpPr>
+        <p:spPr/>
+        <p:txBody>
+          <a:bodyPr/>
+          <a:lstStyle/>
+          <a:p>
+            <a:fld id="{DE49CEA1-4865-4C3D-9488-DE78CE33F6AB}" type="slidenum">
+              <a:rPr lang="zh-CN" altLang="en-US" smtClean="0"/>
+              <a:t>1</a:t>
+            </a:fld>
+            <a:endParaRPr lang="zh-CN" altLang="en-US"/>
+          </a:p>
+        </p:txBody>
+      </p:sp>
+    </p:spTree>
+    <p:extLst>
+      <p:ext uri="{BB962C8B-B14F-4D97-AF65-F5344CB8AC3E}">
+        <p14:creationId xmlns:p14="http://schemas.microsoft.com/office/powerpoint/2010/main" val="962576889"/>
+      </p:ext>
+    </p:extLst>
+  </p:cSld>
+  <p:clrMapOvr>
+    <a:masterClrMapping/>
+  </p:clrMapOvr>
+</p:notes>
+</file>
+
+<file path=ppt/notesSlides/notesSlide2.xml><?xml version="1.0" encoding="utf-8"?>
+<p:notes xmlns:a="http://schemas.openxmlformats.org/drawingml/2006/main" xmlns:r="http://schemas.openxmlformats.org/officeDocument/2006/relationships" xmlns:p="http://schemas.openxmlformats.org/presentationml/2006/main">
+  <p:cSld>
+    <p:spTree>
+      <p:nvGrpSpPr>
+        <p:cNvPr id="1" name=""/>
+        <p:cNvGrpSpPr/>
+        <p:nvPr/>
+      </p:nvGrpSpPr>
+      <p:grpSpPr>
+        <a:xfrm>
+          <a:off x="0" y="0"/>
+          <a:ext cx="0" cy="0"/>
+          <a:chOff x="0" y="0"/>
+          <a:chExt cx="0" cy="0"/>
+        </a:xfrm>
+      </p:grpSpPr>
+      <p:sp>
+        <p:nvSpPr>
+          <p:cNvPr id="2" name="幻灯片图像占位符 1"/>
+          <p:cNvSpPr>
+            <a:spLocks noGrp="1" noRot="1" noChangeAspect="1"/>
+          </p:cNvSpPr>
+          <p:nvPr>
+            <p:ph type="sldImg"/>
+          </p:nvPr>
+        </p:nvSpPr>
+        <p:spPr/>
+      </p:sp>
+      <p:sp>
+        <p:nvSpPr>
+          <p:cNvPr id="3" name="备注占位符 2"/>
+          <p:cNvSpPr>
+            <a:spLocks noGrp="1"/>
+          </p:cNvSpPr>
+          <p:nvPr>
+            <p:ph type="body" idx="1"/>
+          </p:nvPr>
+        </p:nvSpPr>
+        <p:spPr/>
+        <p:txBody>
+          <a:bodyPr/>
+          <a:lstStyle/>
+          <a:p>
+            <a:r>
+              <a:rPr lang="zh-CN" altLang="en-US" dirty="0" smtClean="0"/>
+              <a:t>今天，我将从项目背景、需求、设计和时间安排几个方面对我的毕业设计进行介绍。</a:t>
+            </a:r>
+            <a:endParaRPr lang="zh-CN" altLang="en-US" dirty="0"/>
+          </a:p>
+        </p:txBody>
+      </p:sp>
+      <p:sp>
+        <p:nvSpPr>
+          <p:cNvPr id="4" name="灯片编号占位符 3"/>
+          <p:cNvSpPr>
+            <a:spLocks noGrp="1"/>
+          </p:cNvSpPr>
+          <p:nvPr>
+            <p:ph type="sldNum" sz="quarter" idx="10"/>
+          </p:nvPr>
+        </p:nvSpPr>
+        <p:spPr/>
+        <p:txBody>
+          <a:bodyPr/>
+          <a:lstStyle/>
+          <a:p>
+            <a:fld id="{DE49CEA1-4865-4C3D-9488-DE78CE33F6AB}" type="slidenum">
+              <a:rPr lang="zh-CN" altLang="en-US" smtClean="0"/>
+              <a:t>2</a:t>
+            </a:fld>
+            <a:endParaRPr lang="zh-CN" altLang="en-US"/>
+          </a:p>
+        </p:txBody>
+      </p:sp>
+    </p:spTree>
+    <p:extLst>
+      <p:ext uri="{BB962C8B-B14F-4D97-AF65-F5344CB8AC3E}">
+        <p14:creationId xmlns:p14="http://schemas.microsoft.com/office/powerpoint/2010/main" val="1238109691"/>
+      </p:ext>
+    </p:extLst>
+  </p:cSld>
+  <p:clrMapOvr>
+    <a:masterClrMapping/>
+  </p:clrMapOvr>
+</p:notes>
+</file>
+
+<file path=ppt/notesSlides/notesSlide3.xml><?xml version="1.0" encoding="utf-8"?>
+<p:notes xmlns:a="http://schemas.openxmlformats.org/drawingml/2006/main" xmlns:r="http://schemas.openxmlformats.org/officeDocument/2006/relationships" xmlns:p="http://schemas.openxmlformats.org/presentationml/2006/main">
+  <p:cSld>
+    <p:spTree>
+      <p:nvGrpSpPr>
+        <p:cNvPr id="1" name=""/>
+        <p:cNvGrpSpPr/>
+        <p:nvPr/>
+      </p:nvGrpSpPr>
+      <p:grpSpPr>
+        <a:xfrm>
+          <a:off x="0" y="0"/>
+          <a:ext cx="0" cy="0"/>
+          <a:chOff x="0" y="0"/>
+          <a:chExt cx="0" cy="0"/>
+        </a:xfrm>
+      </p:grpSpPr>
+      <p:sp>
+        <p:nvSpPr>
+          <p:cNvPr id="2" name="幻灯片图像占位符 1"/>
+          <p:cNvSpPr>
+            <a:spLocks noGrp="1" noRot="1" noChangeAspect="1"/>
+          </p:cNvSpPr>
+          <p:nvPr>
+            <p:ph type="sldImg"/>
+          </p:nvPr>
+        </p:nvSpPr>
+        <p:spPr/>
+      </p:sp>
+      <p:sp>
+        <p:nvSpPr>
+          <p:cNvPr id="3" name="备注占位符 2"/>
+          <p:cNvSpPr>
+            <a:spLocks noGrp="1"/>
+          </p:cNvSpPr>
+          <p:nvPr>
+            <p:ph type="body" idx="1"/>
+          </p:nvPr>
+        </p:nvSpPr>
+        <p:spPr/>
+        <p:txBody>
+          <a:bodyPr/>
+          <a:lstStyle/>
+          <a:p>
+            <a:r>
+              <a:rPr lang="zh-CN" altLang="en-US" dirty="0" smtClean="0"/>
+              <a:t>我的毕业设计主要在数据集成方面进行。数据集成是数据库系统和海量数据领域很重要的概念，用于将不同来源的数据进行整合，形成一个统一的展现形式。目前，数据集成在诸多领域都有应用，诸如商业、科学领域。对于数据集成，很重要的问题就是源数据来源不同、差异很大，随着大数据时代的到来，数据量爆炸式的增长导致所需处理的数据过多，很多传统的数据库处理方式难以运用，数据集成成为了海量数据处理的重点和难点。</a:t>
+            </a:r>
+            <a:endParaRPr lang="zh-CN" altLang="en-US" dirty="0"/>
+          </a:p>
+        </p:txBody>
+      </p:sp>
+      <p:sp>
+        <p:nvSpPr>
+          <p:cNvPr id="4" name="灯片编号占位符 3"/>
+          <p:cNvSpPr>
+            <a:spLocks noGrp="1"/>
+          </p:cNvSpPr>
+          <p:nvPr>
+            <p:ph type="sldNum" sz="quarter" idx="10"/>
+          </p:nvPr>
+        </p:nvSpPr>
+        <p:spPr/>
+        <p:txBody>
+          <a:bodyPr/>
+          <a:lstStyle/>
+          <a:p>
+            <a:fld id="{DE49CEA1-4865-4C3D-9488-DE78CE33F6AB}" type="slidenum">
+              <a:rPr lang="zh-CN" altLang="en-US" smtClean="0"/>
+              <a:t>3</a:t>
+            </a:fld>
+            <a:endParaRPr lang="zh-CN" altLang="en-US"/>
+          </a:p>
+        </p:txBody>
+      </p:sp>
+    </p:spTree>
+    <p:extLst>
+      <p:ext uri="{BB962C8B-B14F-4D97-AF65-F5344CB8AC3E}">
+        <p14:creationId xmlns:p14="http://schemas.microsoft.com/office/powerpoint/2010/main" val="3371433806"/>
+      </p:ext>
+    </p:extLst>
+  </p:cSld>
+  <p:clrMapOvr>
+    <a:masterClrMapping/>
+  </p:clrMapOvr>
+</p:notes>
+</file>
+
+<file path=ppt/notesSlides/notesSlide4.xml><?xml version="1.0" encoding="utf-8"?>
+<p:notes xmlns:a="http://schemas.openxmlformats.org/drawingml/2006/main" xmlns:r="http://schemas.openxmlformats.org/officeDocument/2006/relationships" xmlns:p="http://schemas.openxmlformats.org/presentationml/2006/main">
+  <p:cSld>
+    <p:spTree>
+      <p:nvGrpSpPr>
+        <p:cNvPr id="1" name=""/>
+        <p:cNvGrpSpPr/>
+        <p:nvPr/>
+      </p:nvGrpSpPr>
+      <p:grpSpPr>
+        <a:xfrm>
+          <a:off x="0" y="0"/>
+          <a:ext cx="0" cy="0"/>
+          <a:chOff x="0" y="0"/>
+          <a:chExt cx="0" cy="0"/>
+        </a:xfrm>
+      </p:grpSpPr>
+      <p:sp>
+        <p:nvSpPr>
+          <p:cNvPr id="2" name="幻灯片图像占位符 1"/>
+          <p:cNvSpPr>
+            <a:spLocks noGrp="1" noRot="1" noChangeAspect="1"/>
+          </p:cNvSpPr>
+          <p:nvPr>
+            <p:ph type="sldImg"/>
+          </p:nvPr>
+        </p:nvSpPr>
+        <p:spPr/>
+      </p:sp>
+      <p:sp>
+        <p:nvSpPr>
+          <p:cNvPr id="3" name="备注占位符 2"/>
+          <p:cNvSpPr>
+            <a:spLocks noGrp="1"/>
+          </p:cNvSpPr>
+          <p:nvPr>
+            <p:ph type="body" idx="1"/>
+          </p:nvPr>
+        </p:nvSpPr>
+        <p:spPr/>
+        <p:txBody>
+          <a:bodyPr/>
+          <a:lstStyle/>
+          <a:p>
+            <a:r>
+              <a:rPr lang="zh-CN" altLang="en-US" dirty="0" smtClean="0"/>
+              <a:t>数据集成主要处理的是</a:t>
+            </a:r>
+            <a:endParaRPr lang="en-US" altLang="zh-CN" dirty="0" smtClean="0"/>
+          </a:p>
+          <a:p>
+            <a:r>
+              <a:rPr lang="en-US" altLang="zh-CN" dirty="0" smtClean="0"/>
+              <a:t>1.</a:t>
+            </a:r>
+            <a:r>
+              <a:rPr lang="zh-CN" altLang="en-US" dirty="0" smtClean="0"/>
+              <a:t>异源数据，即不同来源、储存在不同物理位置的数据</a:t>
+            </a:r>
+            <a:endParaRPr lang="en-US" altLang="zh-CN" dirty="0" smtClean="0"/>
+          </a:p>
+          <a:p>
+            <a:r>
+              <a:rPr lang="en-US" altLang="zh-CN" dirty="0" smtClean="0"/>
+              <a:t>2.</a:t>
+            </a:r>
+            <a:r>
+              <a:rPr lang="zh-CN" altLang="en-US" dirty="0" smtClean="0"/>
+              <a:t>异构数据，即具有不同数据库模式和数据库定义的数据</a:t>
+            </a:r>
+            <a:endParaRPr lang="en-US" altLang="zh-CN" dirty="0" smtClean="0"/>
+          </a:p>
+          <a:p>
+            <a:r>
+              <a:rPr lang="en-US" altLang="zh-CN" dirty="0" smtClean="0"/>
+              <a:t>3.</a:t>
+            </a:r>
+            <a:r>
+              <a:rPr lang="zh-CN" altLang="en-US" dirty="0" smtClean="0"/>
+              <a:t>不同上下文数据，即用于不同背景、不同用途的数据</a:t>
+            </a:r>
+            <a:endParaRPr lang="en-US" altLang="zh-CN" dirty="0" smtClean="0"/>
+          </a:p>
+          <a:p>
+            <a:r>
+              <a:rPr lang="en-US" altLang="zh-CN" dirty="0" smtClean="0"/>
+              <a:t>4.</a:t>
+            </a:r>
+            <a:r>
+              <a:rPr lang="zh-CN" altLang="en-US" dirty="0" smtClean="0"/>
+              <a:t>不同逻辑关系数据，数据库表之间存在不同的包含、关联等关系</a:t>
+            </a:r>
+            <a:endParaRPr lang="en-US" altLang="zh-CN" dirty="0" smtClean="0"/>
+          </a:p>
+          <a:p>
+            <a:r>
+              <a:rPr lang="zh-CN" altLang="en-US" dirty="0" smtClean="0"/>
+              <a:t>数据集成将把这些不同形式的数据整个成一个同一个模式，主要分为模式集成、记录连接、数据融合三个部分。而作为数据集成的基础，模式集成，即将不同数据表的模式（也就是我们常说的</a:t>
+            </a:r>
+            <a:r>
+              <a:rPr lang="en-US" altLang="zh-CN" dirty="0" smtClean="0"/>
+              <a:t>schema</a:t>
+            </a:r>
+            <a:r>
+              <a:rPr lang="zh-CN" altLang="en-US" dirty="0" smtClean="0"/>
+              <a:t>）进行集成，这是数据集成很关键也是很有难度的一步。因此为了使题目更为专一、更具有针对性，我的毕设主要做的树模式集成这一部分、</a:t>
+            </a:r>
+            <a:endParaRPr lang="zh-CN" altLang="en-US" dirty="0"/>
+          </a:p>
+        </p:txBody>
+      </p:sp>
+      <p:sp>
+        <p:nvSpPr>
+          <p:cNvPr id="4" name="灯片编号占位符 3"/>
+          <p:cNvSpPr>
+            <a:spLocks noGrp="1"/>
+          </p:cNvSpPr>
+          <p:nvPr>
+            <p:ph type="sldNum" sz="quarter" idx="10"/>
+          </p:nvPr>
+        </p:nvSpPr>
+        <p:spPr/>
+        <p:txBody>
+          <a:bodyPr/>
+          <a:lstStyle/>
+          <a:p>
+            <a:fld id="{DE49CEA1-4865-4C3D-9488-DE78CE33F6AB}" type="slidenum">
+              <a:rPr lang="zh-CN" altLang="en-US" smtClean="0"/>
+              <a:t>4</a:t>
+            </a:fld>
+            <a:endParaRPr lang="zh-CN" altLang="en-US"/>
+          </a:p>
+        </p:txBody>
+      </p:sp>
+    </p:spTree>
+    <p:extLst>
+      <p:ext uri="{BB962C8B-B14F-4D97-AF65-F5344CB8AC3E}">
+        <p14:creationId xmlns:p14="http://schemas.microsoft.com/office/powerpoint/2010/main" val="2632301521"/>
+      </p:ext>
+    </p:extLst>
+  </p:cSld>
+  <p:clrMapOvr>
+    <a:masterClrMapping/>
+  </p:clrMapOvr>
+</p:notes>
+</file>
+
+<file path=ppt/notesSlides/notesSlide5.xml><?xml version="1.0" encoding="utf-8"?>
+<p:notes xmlns:a="http://schemas.openxmlformats.org/drawingml/2006/main" xmlns:r="http://schemas.openxmlformats.org/officeDocument/2006/relationships" xmlns:p="http://schemas.openxmlformats.org/presentationml/2006/main">
+  <p:cSld>
+    <p:spTree>
+      <p:nvGrpSpPr>
+        <p:cNvPr id="1" name=""/>
+        <p:cNvGrpSpPr/>
+        <p:nvPr/>
+      </p:nvGrpSpPr>
+      <p:grpSpPr>
+        <a:xfrm>
+          <a:off x="0" y="0"/>
+          <a:ext cx="0" cy="0"/>
+          <a:chOff x="0" y="0"/>
+          <a:chExt cx="0" cy="0"/>
+        </a:xfrm>
+      </p:grpSpPr>
+      <p:sp>
+        <p:nvSpPr>
+          <p:cNvPr id="2" name="幻灯片图像占位符 1"/>
+          <p:cNvSpPr>
+            <a:spLocks noGrp="1" noRot="1" noChangeAspect="1"/>
+          </p:cNvSpPr>
+          <p:nvPr>
+            <p:ph type="sldImg"/>
+          </p:nvPr>
+        </p:nvSpPr>
+        <p:spPr/>
+      </p:sp>
+      <p:sp>
+        <p:nvSpPr>
+          <p:cNvPr id="3" name="备注占位符 2"/>
+          <p:cNvSpPr>
+            <a:spLocks noGrp="1"/>
+          </p:cNvSpPr>
+          <p:nvPr>
+            <p:ph type="body" idx="1"/>
+          </p:nvPr>
+        </p:nvSpPr>
+        <p:spPr/>
+        <p:txBody>
+          <a:bodyPr/>
+          <a:lstStyle/>
+          <a:p>
+            <a:r>
+              <a:rPr lang="zh-CN" altLang="en-US" dirty="0" smtClean="0"/>
+              <a:t>模式集成面临的难题有：</a:t>
+            </a:r>
+            <a:endParaRPr lang="en-US" altLang="zh-CN" dirty="0" smtClean="0"/>
+          </a:p>
+          <a:p>
+            <a:r>
+              <a:rPr lang="en-US" altLang="zh-CN" dirty="0" smtClean="0"/>
+              <a:t>1.</a:t>
+            </a:r>
+            <a:r>
+              <a:rPr lang="zh-CN" altLang="en-US" dirty="0" smtClean="0"/>
+              <a:t>多数据源，不同模式中属性的数量很多</a:t>
+            </a:r>
+            <a:endParaRPr lang="en-US" altLang="zh-CN" dirty="0" smtClean="0"/>
+          </a:p>
+          <a:p>
+            <a:r>
+              <a:rPr lang="en-US" altLang="zh-CN" dirty="0" smtClean="0"/>
+              <a:t>2.</a:t>
+            </a:r>
+            <a:r>
+              <a:rPr lang="zh-CN" altLang="en-US" dirty="0" smtClean="0"/>
+              <a:t>数据异构，各个数据库间模式是不相同的，但有很多不相同的属性实际上代表的是同一条数据本体</a:t>
+            </a:r>
+            <a:endParaRPr lang="en-US" altLang="zh-CN" dirty="0" smtClean="0"/>
+          </a:p>
+          <a:p>
+            <a:r>
+              <a:rPr lang="en-US" altLang="zh-CN" dirty="0" smtClean="0"/>
+              <a:t>3.</a:t>
+            </a:r>
+            <a:r>
+              <a:rPr lang="zh-CN" altLang="en-US" dirty="0" smtClean="0"/>
+              <a:t>数据动态性，很多数据表在不停的产生和消失，其中的属性也在依据需要变化</a:t>
+            </a:r>
+            <a:endParaRPr lang="en-US" altLang="zh-CN" dirty="0" smtClean="0"/>
+          </a:p>
+          <a:p>
+            <a:r>
+              <a:rPr lang="zh-CN" altLang="en-US" dirty="0" smtClean="0"/>
+              <a:t>此外，面对属性的精度、一致性和集成的速度等问题，如何高效、准确的生成一个全局的数据模式，并产生对应原有个属性之前的关系成为了本项目的目标。</a:t>
+            </a:r>
+            <a:endParaRPr lang="zh-CN" altLang="en-US" dirty="0"/>
+          </a:p>
+        </p:txBody>
+      </p:sp>
+      <p:sp>
+        <p:nvSpPr>
+          <p:cNvPr id="4" name="灯片编号占位符 3"/>
+          <p:cNvSpPr>
+            <a:spLocks noGrp="1"/>
+          </p:cNvSpPr>
+          <p:nvPr>
+            <p:ph type="sldNum" sz="quarter" idx="10"/>
+          </p:nvPr>
+        </p:nvSpPr>
+        <p:spPr/>
+        <p:txBody>
+          <a:bodyPr/>
+          <a:lstStyle/>
+          <a:p>
+            <a:fld id="{DE49CEA1-4865-4C3D-9488-DE78CE33F6AB}" type="slidenum">
+              <a:rPr lang="zh-CN" altLang="en-US" smtClean="0"/>
+              <a:t>5</a:t>
+            </a:fld>
+            <a:endParaRPr lang="zh-CN" altLang="en-US"/>
+          </a:p>
+        </p:txBody>
+      </p:sp>
+    </p:spTree>
+    <p:extLst>
+      <p:ext uri="{BB962C8B-B14F-4D97-AF65-F5344CB8AC3E}">
+        <p14:creationId xmlns:p14="http://schemas.microsoft.com/office/powerpoint/2010/main" val="2244882427"/>
+      </p:ext>
+    </p:extLst>
+  </p:cSld>
+  <p:clrMapOvr>
+    <a:masterClrMapping/>
+  </p:clrMapOvr>
+</p:notes>
+</file>
+
+<file path=ppt/notesSlides/notesSlide6.xml><?xml version="1.0" encoding="utf-8"?>
+<p:notes xmlns:a="http://schemas.openxmlformats.org/drawingml/2006/main" xmlns:r="http://schemas.openxmlformats.org/officeDocument/2006/relationships" xmlns:p="http://schemas.openxmlformats.org/presentationml/2006/main">
+  <p:cSld>
+    <p:spTree>
+      <p:nvGrpSpPr>
+        <p:cNvPr id="1" name=""/>
+        <p:cNvGrpSpPr/>
+        <p:nvPr/>
+      </p:nvGrpSpPr>
+      <p:grpSpPr>
+        <a:xfrm>
+          <a:off x="0" y="0"/>
+          <a:ext cx="0" cy="0"/>
+          <a:chOff x="0" y="0"/>
+          <a:chExt cx="0" cy="0"/>
+        </a:xfrm>
+      </p:grpSpPr>
+      <p:sp>
+        <p:nvSpPr>
+          <p:cNvPr id="2" name="幻灯片图像占位符 1"/>
+          <p:cNvSpPr>
+            <a:spLocks noGrp="1" noRot="1" noChangeAspect="1"/>
+          </p:cNvSpPr>
+          <p:nvPr>
+            <p:ph type="sldImg"/>
+          </p:nvPr>
+        </p:nvSpPr>
+        <p:spPr/>
+      </p:sp>
+      <p:sp>
+        <p:nvSpPr>
+          <p:cNvPr id="3" name="备注占位符 2"/>
+          <p:cNvSpPr>
+            <a:spLocks noGrp="1"/>
+          </p:cNvSpPr>
+          <p:nvPr>
+            <p:ph type="body" idx="1"/>
+          </p:nvPr>
+        </p:nvSpPr>
+        <p:spPr/>
+        <p:txBody>
+          <a:bodyPr/>
+          <a:lstStyle/>
+          <a:p>
+            <a:r>
+              <a:rPr lang="zh-CN" altLang="en-US" dirty="0" smtClean="0"/>
+              <a:t>因此，模式集成的主要工作是针对异源、异构数据表的模式，将相似的属性（形式和语义）进行集成，从而得到一个统一的模式，既能将多个数据源中的所有属性全部包含，又能保证产生的数据模式中属性彼此不重复。</a:t>
+            </a:r>
+            <a:endParaRPr lang="en-US" altLang="zh-CN" dirty="0" smtClean="0"/>
+          </a:p>
+          <a:p>
+            <a:r>
+              <a:rPr lang="zh-CN" altLang="en-US" dirty="0" smtClean="0"/>
+              <a:t>我们可以通过下面的例子直观的了解这个问题，这是来自两个数据库的模式，我们可以看到两个表中都具有</a:t>
+            </a:r>
+            <a:r>
+              <a:rPr lang="en-US" altLang="zh-CN" dirty="0" smtClean="0"/>
+              <a:t>Flight Number</a:t>
+            </a:r>
+            <a:r>
+              <a:rPr lang="zh-CN" altLang="en-US" dirty="0" smtClean="0"/>
+              <a:t>这个属性在两个数据库中都是存在的，然而指向同一概念的属性，如</a:t>
+            </a:r>
+            <a:r>
+              <a:rPr lang="en-US" altLang="zh-CN" dirty="0" smtClean="0"/>
+              <a:t>Actual Departure Time</a:t>
+            </a:r>
+            <a:r>
+              <a:rPr lang="zh-CN" altLang="en-US" dirty="0" smtClean="0"/>
+              <a:t>和</a:t>
+            </a:r>
+            <a:r>
+              <a:rPr lang="en-US" altLang="zh-CN" sz="1200" dirty="0" smtClean="0">
+                <a:solidFill>
+                  <a:schemeClr val="bg1"/>
+                </a:solidFill>
+              </a:rPr>
+              <a:t>Takeoff Time</a:t>
+            </a:r>
+            <a:r>
+              <a:rPr lang="zh-CN" altLang="en-US" sz="1200" dirty="0" smtClean="0">
+                <a:solidFill>
+                  <a:schemeClr val="bg1"/>
+                </a:solidFill>
+              </a:rPr>
+              <a:t>理应是相似的。所以，如何判定属性是相似的并合成同一属性，这个就成为了一个核心问题。同时，最终获得的全局模式，也应包含仅存在一个数据库中的属性， 如</a:t>
+            </a:r>
+            <a:r>
+              <a:rPr lang="en-US" altLang="zh-CN" sz="1200" dirty="0" smtClean="0">
+                <a:solidFill>
+                  <a:schemeClr val="bg1"/>
+                </a:solidFill>
+              </a:rPr>
+              <a:t>Runway</a:t>
+            </a:r>
+            <a:endParaRPr lang="en-US" altLang="zh-CN" dirty="0" smtClean="0"/>
+          </a:p>
+        </p:txBody>
+      </p:sp>
+      <p:sp>
+        <p:nvSpPr>
+          <p:cNvPr id="4" name="灯片编号占位符 3"/>
+          <p:cNvSpPr>
+            <a:spLocks noGrp="1"/>
+          </p:cNvSpPr>
+          <p:nvPr>
+            <p:ph type="sldNum" sz="quarter" idx="10"/>
+          </p:nvPr>
+        </p:nvSpPr>
+        <p:spPr/>
+        <p:txBody>
+          <a:bodyPr/>
+          <a:lstStyle/>
+          <a:p>
+            <a:fld id="{DE49CEA1-4865-4C3D-9488-DE78CE33F6AB}" type="slidenum">
+              <a:rPr lang="zh-CN" altLang="en-US" smtClean="0"/>
+              <a:t>6</a:t>
+            </a:fld>
+            <a:endParaRPr lang="zh-CN" altLang="en-US"/>
+          </a:p>
+        </p:txBody>
+      </p:sp>
+    </p:spTree>
+    <p:extLst>
+      <p:ext uri="{BB962C8B-B14F-4D97-AF65-F5344CB8AC3E}">
+        <p14:creationId xmlns:p14="http://schemas.microsoft.com/office/powerpoint/2010/main" val="2859451976"/>
+      </p:ext>
+    </p:extLst>
+  </p:cSld>
+  <p:clrMapOvr>
+    <a:masterClrMapping/>
+  </p:clrMapOvr>
+</p:notes>
+</file>
+
+<file path=ppt/notesSlides/notesSlide7.xml><?xml version="1.0" encoding="utf-8"?>
+<p:notes xmlns:a="http://schemas.openxmlformats.org/drawingml/2006/main" xmlns:r="http://schemas.openxmlformats.org/officeDocument/2006/relationships" xmlns:p="http://schemas.openxmlformats.org/presentationml/2006/main">
+  <p:cSld>
+    <p:spTree>
+      <p:nvGrpSpPr>
+        <p:cNvPr id="1" name=""/>
+        <p:cNvGrpSpPr/>
+        <p:nvPr/>
+      </p:nvGrpSpPr>
+      <p:grpSpPr>
+        <a:xfrm>
+          <a:off x="0" y="0"/>
+          <a:ext cx="0" cy="0"/>
+          <a:chOff x="0" y="0"/>
+          <a:chExt cx="0" cy="0"/>
+        </a:xfrm>
+      </p:grpSpPr>
+      <p:sp>
+        <p:nvSpPr>
+          <p:cNvPr id="2" name="幻灯片图像占位符 1"/>
+          <p:cNvSpPr>
+            <a:spLocks noGrp="1" noRot="1" noChangeAspect="1"/>
+          </p:cNvSpPr>
+          <p:nvPr>
+            <p:ph type="sldImg"/>
+          </p:nvPr>
+        </p:nvSpPr>
+        <p:spPr/>
+      </p:sp>
+      <p:sp>
+        <p:nvSpPr>
+          <p:cNvPr id="3" name="备注占位符 2"/>
+          <p:cNvSpPr>
+            <a:spLocks noGrp="1"/>
+          </p:cNvSpPr>
+          <p:nvPr>
+            <p:ph type="body" idx="1"/>
+          </p:nvPr>
+        </p:nvSpPr>
+        <p:spPr/>
+        <p:txBody>
+          <a:bodyPr/>
+          <a:lstStyle/>
+          <a:p>
+            <a:r>
+              <a:rPr lang="zh-CN" altLang="en-US" dirty="0" smtClean="0"/>
+              <a:t>因此，我们将这个模式集成系统设计成具有五个模块，依次是用户界面模块、预处理模块、形式整合模块、语义整合模块和全局模式模块。</a:t>
+            </a:r>
+            <a:endParaRPr lang="en-US" altLang="zh-CN" dirty="0" smtClean="0"/>
+          </a:p>
+        </p:txBody>
+      </p:sp>
+      <p:sp>
+        <p:nvSpPr>
+          <p:cNvPr id="4" name="灯片编号占位符 3"/>
+          <p:cNvSpPr>
+            <a:spLocks noGrp="1"/>
+          </p:cNvSpPr>
+          <p:nvPr>
+            <p:ph type="sldNum" sz="quarter" idx="10"/>
+          </p:nvPr>
+        </p:nvSpPr>
+        <p:spPr/>
+        <p:txBody>
+          <a:bodyPr/>
+          <a:lstStyle/>
+          <a:p>
+            <a:fld id="{DE49CEA1-4865-4C3D-9488-DE78CE33F6AB}" type="slidenum">
+              <a:rPr lang="zh-CN" altLang="en-US" smtClean="0"/>
+              <a:t>7</a:t>
+            </a:fld>
+            <a:endParaRPr lang="zh-CN" altLang="en-US"/>
+          </a:p>
+        </p:txBody>
+      </p:sp>
+    </p:spTree>
+    <p:extLst>
+      <p:ext uri="{BB962C8B-B14F-4D97-AF65-F5344CB8AC3E}">
+        <p14:creationId xmlns:p14="http://schemas.microsoft.com/office/powerpoint/2010/main" val="2604449388"/>
+      </p:ext>
+    </p:extLst>
+  </p:cSld>
+  <p:clrMapOvr>
+    <a:masterClrMapping/>
+  </p:clrMapOvr>
+</p:notes>
 </file>
 
 <file path=ppt/slideLayouts/slideLayout1.xml><?xml version="1.0" encoding="utf-8"?>
@@ -532,7 +1647,7 @@
             <a:fld id="{73EF2DBD-A9F7-4BBB-AF87-3457B801ACE5}" type="datetime1">
               <a:rPr lang="zh-CN" altLang="en-US"/>
               <a:pPr/>
-              <a:t>2016/11/17</a:t>
+              <a:t>2016/11/18</a:t>
             </a:fld>
             <a:endParaRPr lang="zh-CN" altLang="en-US" sz="1800">
               <a:solidFill>
@@ -733,7 +1848,7 @@
             <a:fld id="{73EF2DBD-A9F7-4BBB-AF87-3457B801ACE5}" type="datetime1">
               <a:rPr lang="zh-CN" altLang="en-US"/>
               <a:pPr/>
-              <a:t>2016/11/17</a:t>
+              <a:t>2016/11/18</a:t>
             </a:fld>
             <a:endParaRPr lang="zh-CN" altLang="en-US" sz="1800">
               <a:solidFill>
@@ -944,7 +2059,7 @@
             <a:fld id="{73EF2DBD-A9F7-4BBB-AF87-3457B801ACE5}" type="datetime1">
               <a:rPr lang="zh-CN" altLang="en-US"/>
               <a:pPr/>
-              <a:t>2016/11/17</a:t>
+              <a:t>2016/11/18</a:t>
             </a:fld>
             <a:endParaRPr lang="zh-CN" altLang="en-US" sz="1800">
               <a:solidFill>
@@ -1103,7 +2218,7 @@
             <a:fld id="{73EF2DBD-A9F7-4BBB-AF87-3457B801ACE5}" type="datetime1">
               <a:rPr lang="zh-CN" altLang="en-US"/>
               <a:pPr/>
-              <a:t>2016/11/17</a:t>
+              <a:t>2016/11/18</a:t>
             </a:fld>
             <a:endParaRPr lang="zh-CN" altLang="en-US" sz="1800">
               <a:solidFill>
@@ -1314,7 +2429,7 @@
             <a:fld id="{73EF2DBD-A9F7-4BBB-AF87-3457B801ACE5}" type="datetime1">
               <a:rPr lang="zh-CN" altLang="en-US"/>
               <a:pPr/>
-              <a:t>2016/11/17</a:t>
+              <a:t>2016/11/18</a:t>
             </a:fld>
             <a:endParaRPr lang="zh-CN" altLang="en-US" sz="1800">
               <a:solidFill>
@@ -1537,7 +2652,7 @@
             <a:fld id="{73EF2DBD-A9F7-4BBB-AF87-3457B801ACE5}" type="datetime1">
               <a:rPr lang="zh-CN" altLang="en-US"/>
               <a:pPr/>
-              <a:t>2016/11/17</a:t>
+              <a:t>2016/11/18</a:t>
             </a:fld>
             <a:endParaRPr lang="zh-CN" altLang="en-US" sz="1800">
               <a:solidFill>
@@ -1800,7 +2915,7 @@
             <a:fld id="{73EF2DBD-A9F7-4BBB-AF87-3457B801ACE5}" type="datetime1">
               <a:rPr lang="zh-CN" altLang="en-US"/>
               <a:pPr/>
-              <a:t>2016/11/17</a:t>
+              <a:t>2016/11/18</a:t>
             </a:fld>
             <a:endParaRPr lang="zh-CN" altLang="en-US" sz="1800">
               <a:solidFill>
@@ -2198,7 +3313,7 @@
             <a:fld id="{73EF2DBD-A9F7-4BBB-AF87-3457B801ACE5}" type="datetime1">
               <a:rPr lang="zh-CN" altLang="en-US"/>
               <a:pPr/>
-              <a:t>2016/11/17</a:t>
+              <a:t>2016/11/18</a:t>
             </a:fld>
             <a:endParaRPr lang="zh-CN" altLang="en-US" sz="1800" dirty="0">
               <a:solidFill>
@@ -2347,7 +3462,7 @@
             <a:fld id="{73EF2DBD-A9F7-4BBB-AF87-3457B801ACE5}" type="datetime1">
               <a:rPr lang="zh-CN" altLang="en-US"/>
               <a:pPr/>
-              <a:t>2016/11/17</a:t>
+              <a:t>2016/11/18</a:t>
             </a:fld>
             <a:endParaRPr lang="zh-CN" altLang="en-US" sz="1800">
               <a:solidFill>
@@ -2473,7 +3588,7 @@
             <a:fld id="{73EF2DBD-A9F7-4BBB-AF87-3457B801ACE5}" type="datetime1">
               <a:rPr lang="zh-CN" altLang="en-US"/>
               <a:pPr/>
-              <a:t>2016/11/17</a:t>
+              <a:t>2016/11/18</a:t>
             </a:fld>
             <a:endParaRPr lang="zh-CN" altLang="en-US" sz="1800">
               <a:solidFill>
@@ -2781,7 +3896,7 @@
             <a:fld id="{73EF2DBD-A9F7-4BBB-AF87-3457B801ACE5}" type="datetime1">
               <a:rPr lang="zh-CN" altLang="en-US"/>
               <a:pPr/>
-              <a:t>2016/11/17</a:t>
+              <a:t>2016/11/18</a:t>
             </a:fld>
             <a:endParaRPr lang="zh-CN" altLang="en-US" sz="1800">
               <a:solidFill>
@@ -3065,7 +4180,7 @@
             <a:fld id="{73EF2DBD-A9F7-4BBB-AF87-3457B801ACE5}" type="datetime1">
               <a:rPr lang="zh-CN" altLang="en-US"/>
               <a:pPr/>
-              <a:t>2016/11/17</a:t>
+              <a:t>2016/11/18</a:t>
             </a:fld>
             <a:endParaRPr lang="zh-CN" altLang="en-US" sz="1800">
               <a:solidFill>
@@ -3395,7 +4510,7 @@
             <a:fld id="{73EF2DBD-A9F7-4BBB-AF87-3457B801ACE5}" type="datetime1">
               <a:rPr lang="zh-CN" altLang="en-US" smtClean="0"/>
               <a:pPr/>
-              <a:t>2016/11/17</a:t>
+              <a:t>2016/11/18</a:t>
             </a:fld>
             <a:endParaRPr lang="zh-CN" altLang="en-US" sz="1800" dirty="0">
               <a:solidFill>
@@ -4163,7 +5278,7 @@
           <p:nvPr/>
         </p:nvPicPr>
         <p:blipFill>
-          <a:blip r:embed="rId2">
+          <a:blip r:embed="rId3">
             <a:extLst>
               <a:ext uri="{28A0092B-C50C-407E-A947-70E740481C1C}">
                 <a14:useLocalDpi xmlns:a14="http://schemas.microsoft.com/office/drawing/2010/main" val="0"/>
@@ -4217,7 +5332,7 @@
           <p:nvPr/>
         </p:nvPicPr>
         <p:blipFill>
-          <a:blip r:embed="rId2">
+          <a:blip r:embed="rId3">
             <a:extLst>
               <a:ext uri="{28A0092B-C50C-407E-A947-70E740481C1C}">
                 <a14:useLocalDpi xmlns:a14="http://schemas.microsoft.com/office/drawing/2010/main" val="0"/>
@@ -4681,7 +5796,7 @@
           <p:nvPr/>
         </p:nvPicPr>
         <p:blipFill>
-          <a:blip r:embed="rId3">
+          <a:blip r:embed="rId4">
             <a:grayscl/>
             <a:biLevel thresh="50000"/>
             <a:extLst>
@@ -5161,7 +6276,7 @@
           <a:graphicData uri="http://schemas.openxmlformats.org/presentationml/2006/ole">
             <mc:AlternateContent xmlns:mc="http://schemas.openxmlformats.org/markup-compatibility/2006">
               <mc:Choice xmlns:v="urn:schemas-microsoft-com:vml" Requires="v">
-                <p:oleObj spid="_x0000_s8225" name="Visio" r:id="rId3" imgW="9776899" imgH="7509032" progId="Visio.Drawing.15">
+                <p:oleObj spid="_x0000_s8232" name="Visio" r:id="rId3" imgW="9776899" imgH="7509032" progId="Visio.Drawing.15">
                   <p:embed/>
                 </p:oleObj>
               </mc:Choice>
@@ -5540,7 +6655,7 @@
           <a:graphicData uri="http://schemas.openxmlformats.org/presentationml/2006/ole">
             <mc:AlternateContent xmlns:mc="http://schemas.openxmlformats.org/markup-compatibility/2006">
               <mc:Choice xmlns:v="urn:schemas-microsoft-com:vml" Requires="v">
-                <p:oleObj spid="_x0000_s9281" name="Visio" r:id="rId3" imgW="4157887" imgH="5550674" progId="Visio.Drawing.15">
+                <p:oleObj spid="_x0000_s9295" name="Visio" r:id="rId3" imgW="4157887" imgH="5550674" progId="Visio.Drawing.15">
                   <p:embed/>
                 </p:oleObj>
               </mc:Choice>
@@ -5664,7 +6779,7 @@
           <a:graphicData uri="http://schemas.openxmlformats.org/presentationml/2006/ole">
             <mc:AlternateContent xmlns:mc="http://schemas.openxmlformats.org/markup-compatibility/2006">
               <mc:Choice xmlns:v="urn:schemas-microsoft-com:vml" Requires="v">
-                <p:oleObj spid="_x0000_s9282" name="Visio" r:id="rId5" imgW="3133855" imgH="10572165" progId="Visio.Drawing.15">
+                <p:oleObj spid="_x0000_s9296" name="Visio" r:id="rId5" imgW="3133855" imgH="10572165" progId="Visio.Drawing.15">
                   <p:embed/>
                 </p:oleObj>
               </mc:Choice>
@@ -11772,7 +12887,7 @@
           <p:nvPr/>
         </p:nvPicPr>
         <p:blipFill>
-          <a:blip r:embed="rId2" cstate="print">
+          <a:blip r:embed="rId3" cstate="print">
             <a:extLst>
               <a:ext uri="{28A0092B-C50C-407E-A947-70E740481C1C}">
                 <a14:useLocalDpi xmlns:a14="http://schemas.microsoft.com/office/drawing/2010/main" val="0"/>
@@ -13762,12 +14877,12 @@
           <a:graphicData uri="http://schemas.openxmlformats.org/presentationml/2006/ole">
             <mc:AlternateContent xmlns:mc="http://schemas.openxmlformats.org/markup-compatibility/2006">
               <mc:Choice xmlns:v="urn:schemas-microsoft-com:vml" Requires="v">
-                <p:oleObj spid="_x0000_s1064" name="Visio" r:id="rId3" imgW="4954995" imgH="744492" progId="Visio.Drawing.15">
+                <p:oleObj spid="_x0000_s1071" name="Visio" r:id="rId4" imgW="4954995" imgH="744492" progId="Visio.Drawing.15">
                   <p:embed/>
                 </p:oleObj>
               </mc:Choice>
               <mc:Fallback>
-                <p:oleObj name="Visio" r:id="rId3" imgW="4954995" imgH="744492" progId="Visio.Drawing.15">
+                <p:oleObj name="Visio" r:id="rId4" imgW="4954995" imgH="744492" progId="Visio.Drawing.15">
                   <p:embed/>
                   <p:pic>
                     <p:nvPicPr>
@@ -13778,7 +14893,7 @@
                       <p:nvPr/>
                     </p:nvPicPr>
                     <p:blipFill>
-                      <a:blip r:embed="rId4">
+                      <a:blip r:embed="rId5">
                         <a:extLst>
                           <a:ext uri="{28A0092B-C50C-407E-A947-70E740481C1C}">
                             <a14:useLocalDpi xmlns:a14="http://schemas.microsoft.com/office/drawing/2010/main" val="0"/>
@@ -14395,18 +15510,7 @@
                 <a:ea typeface="微软雅黑" panose="020B0503020204020204" pitchFamily="34" charset="-122"/>
                 <a:sym typeface="宋体" panose="02010600030101010101" pitchFamily="2" charset="-122"/>
               </a:rPr>
-              <a:t>匹配</a:t>
-            </a:r>
-            <a:r>
-              <a:rPr lang="zh-CN" altLang="en-US" dirty="0" smtClean="0">
-                <a:solidFill>
-                  <a:schemeClr val="bg1"/>
-                </a:solidFill>
-                <a:latin typeface="微软雅黑" panose="020B0503020204020204" pitchFamily="34" charset="-122"/>
-                <a:ea typeface="微软雅黑" panose="020B0503020204020204" pitchFamily="34" charset="-122"/>
-                <a:sym typeface="宋体" panose="02010600030101010101" pitchFamily="2" charset="-122"/>
-              </a:rPr>
-              <a:t>关系</a:t>
+              <a:t>匹配关系</a:t>
             </a:r>
             <a:endParaRPr lang="en-US" altLang="zh-CN" dirty="0" smtClean="0">
               <a:solidFill>
@@ -18298,7 +19402,7 @@
             <p:nvPr/>
           </p:nvPicPr>
           <p:blipFill>
-            <a:blip r:embed="rId2" cstate="print">
+            <a:blip r:embed="rId3" cstate="print">
               <a:grayscl/>
               <a:biLevel thresh="50000"/>
               <a:extLst>
@@ -22167,4 +23271,265 @@
     </a:ext>
   </a:extLst>
 </a:theme>
+</file>
+
+<file path=ppt/theme/theme3.xml><?xml version="1.0" encoding="utf-8"?>
+<a:theme xmlns:a="http://schemas.openxmlformats.org/drawingml/2006/main" name="Office 主题">
+  <a:themeElements>
+    <a:clrScheme name="Office">
+      <a:dk1>
+        <a:sysClr val="windowText" lastClr="000000"/>
+      </a:dk1>
+      <a:lt1>
+        <a:sysClr val="window" lastClr="FFFFFF"/>
+      </a:lt1>
+      <a:dk2>
+        <a:srgbClr val="44546A"/>
+      </a:dk2>
+      <a:lt2>
+        <a:srgbClr val="E7E6E6"/>
+      </a:lt2>
+      <a:accent1>
+        <a:srgbClr val="5B9BD5"/>
+      </a:accent1>
+      <a:accent2>
+        <a:srgbClr val="ED7D31"/>
+      </a:accent2>
+      <a:accent3>
+        <a:srgbClr val="A5A5A5"/>
+      </a:accent3>
+      <a:accent4>
+        <a:srgbClr val="FFC000"/>
+      </a:accent4>
+      <a:accent5>
+        <a:srgbClr val="4472C4"/>
+      </a:accent5>
+      <a:accent6>
+        <a:srgbClr val="70AD47"/>
+      </a:accent6>
+      <a:hlink>
+        <a:srgbClr val="0563C1"/>
+      </a:hlink>
+      <a:folHlink>
+        <a:srgbClr val="954F72"/>
+      </a:folHlink>
+    </a:clrScheme>
+    <a:fontScheme name="Office">
+      <a:majorFont>
+        <a:latin typeface="Calibri Light" panose="020F0302020204030204"/>
+        <a:ea typeface=""/>
+        <a:cs typeface=""/>
+        <a:font script="Jpan" typeface="ＭＳ Ｐゴシック"/>
+        <a:font script="Hang" typeface="맑은 고딕"/>
+        <a:font script="Hans" typeface="宋体"/>
+        <a:font script="Hant" typeface="新細明體"/>
+        <a:font script="Arab" typeface="Times New Roman"/>
+        <a:font script="Hebr" typeface="Times New Roman"/>
+        <a:font script="Thai" typeface="Angsana New"/>
+        <a:font script="Ethi" typeface="Nyala"/>
+        <a:font script="Beng" typeface="Vrinda"/>
+        <a:font script="Gujr" typeface="Shruti"/>
+        <a:font script="Khmr" typeface="MoolBoran"/>
+        <a:font script="Knda" typeface="Tunga"/>
+        <a:font script="Guru" typeface="Raavi"/>
+        <a:font script="Cans" typeface="Euphemia"/>
+        <a:font script="Cher" typeface="Plantagenet Cherokee"/>
+        <a:font script="Yiii" typeface="Microsoft Yi Baiti"/>
+        <a:font script="Tibt" typeface="Microsoft Himalaya"/>
+        <a:font script="Thaa" typeface="MV Boli"/>
+        <a:font script="Deva" typeface="Mangal"/>
+        <a:font script="Telu" typeface="Gautami"/>
+        <a:font script="Taml" typeface="Latha"/>
+        <a:font script="Syrc" typeface="Estrangelo Edessa"/>
+        <a:font script="Orya" typeface="Kalinga"/>
+        <a:font script="Mlym" typeface="Kartika"/>
+        <a:font script="Laoo" typeface="DokChampa"/>
+        <a:font script="Sinh" typeface="Iskoola Pota"/>
+        <a:font script="Mong" typeface="Mongolian Baiti"/>
+        <a:font script="Viet" typeface="Times New Roman"/>
+        <a:font script="Uigh" typeface="Microsoft Uighur"/>
+        <a:font script="Geor" typeface="Sylfaen"/>
+      </a:majorFont>
+      <a:minorFont>
+        <a:latin typeface="Calibri" panose="020F0502020204030204"/>
+        <a:ea typeface=""/>
+        <a:cs typeface=""/>
+        <a:font script="Jpan" typeface="ＭＳ Ｐゴシック"/>
+        <a:font script="Hang" typeface="맑은 고딕"/>
+        <a:font script="Hans" typeface="宋体"/>
+        <a:font script="Hant" typeface="新細明體"/>
+        <a:font script="Arab" typeface="Arial"/>
+        <a:font script="Hebr" typeface="Arial"/>
+        <a:font script="Thai" typeface="Cordia New"/>
+        <a:font script="Ethi" typeface="Nyala"/>
+        <a:font script="Beng" typeface="Vrinda"/>
+        <a:font script="Gujr" typeface="Shruti"/>
+        <a:font script="Khmr" typeface="DaunPenh"/>
+        <a:font script="Knda" typeface="Tunga"/>
+        <a:font script="Guru" typeface="Raavi"/>
+        <a:font script="Cans" typeface="Euphemia"/>
+        <a:font script="Cher" typeface="Plantagenet Cherokee"/>
+        <a:font script="Yiii" typeface="Microsoft Yi Baiti"/>
+        <a:font script="Tibt" typeface="Microsoft Himalaya"/>
+        <a:font script="Thaa" typeface="MV Boli"/>
+        <a:font script="Deva" typeface="Mangal"/>
+        <a:font script="Telu" typeface="Gautami"/>
+        <a:font script="Taml" typeface="Latha"/>
+        <a:font script="Syrc" typeface="Estrangelo Edessa"/>
+        <a:font script="Orya" typeface="Kalinga"/>
+        <a:font script="Mlym" typeface="Kartika"/>
+        <a:font script="Laoo" typeface="DokChampa"/>
+        <a:font script="Sinh" typeface="Iskoola Pota"/>
+        <a:font script="Mong" typeface="Mongolian Baiti"/>
+        <a:font script="Viet" typeface="Arial"/>
+        <a:font script="Uigh" typeface="Microsoft Uighur"/>
+        <a:font script="Geor" typeface="Sylfaen"/>
+      </a:minorFont>
+    </a:fontScheme>
+    <a:fmtScheme name="Office">
+      <a:fillStyleLst>
+        <a:solidFill>
+          <a:schemeClr val="phClr"/>
+        </a:solidFill>
+        <a:gradFill rotWithShape="1">
+          <a:gsLst>
+            <a:gs pos="0">
+              <a:schemeClr val="phClr">
+                <a:lumMod val="110000"/>
+                <a:satMod val="105000"/>
+                <a:tint val="67000"/>
+              </a:schemeClr>
+            </a:gs>
+            <a:gs pos="50000">
+              <a:schemeClr val="phClr">
+                <a:lumMod val="105000"/>
+                <a:satMod val="103000"/>
+                <a:tint val="73000"/>
+              </a:schemeClr>
+            </a:gs>
+            <a:gs pos="100000">
+              <a:schemeClr val="phClr">
+                <a:lumMod val="105000"/>
+                <a:satMod val="109000"/>
+                <a:tint val="81000"/>
+              </a:schemeClr>
+            </a:gs>
+          </a:gsLst>
+          <a:lin ang="5400000" scaled="0"/>
+        </a:gradFill>
+        <a:gradFill rotWithShape="1">
+          <a:gsLst>
+            <a:gs pos="0">
+              <a:schemeClr val="phClr">
+                <a:satMod val="103000"/>
+                <a:lumMod val="102000"/>
+                <a:tint val="94000"/>
+              </a:schemeClr>
+            </a:gs>
+            <a:gs pos="50000">
+              <a:schemeClr val="phClr">
+                <a:satMod val="110000"/>
+                <a:lumMod val="100000"/>
+                <a:shade val="100000"/>
+              </a:schemeClr>
+            </a:gs>
+            <a:gs pos="100000">
+              <a:schemeClr val="phClr">
+                <a:lumMod val="99000"/>
+                <a:satMod val="120000"/>
+                <a:shade val="78000"/>
+              </a:schemeClr>
+            </a:gs>
+          </a:gsLst>
+          <a:lin ang="5400000" scaled="0"/>
+        </a:gradFill>
+      </a:fillStyleLst>
+      <a:lnStyleLst>
+        <a:ln w="6350" cap="flat" cmpd="sng" algn="ctr">
+          <a:solidFill>
+            <a:schemeClr val="phClr"/>
+          </a:solidFill>
+          <a:prstDash val="solid"/>
+          <a:miter lim="800000"/>
+        </a:ln>
+        <a:ln w="12700" cap="flat" cmpd="sng" algn="ctr">
+          <a:solidFill>
+            <a:schemeClr val="phClr"/>
+          </a:solidFill>
+          <a:prstDash val="solid"/>
+          <a:miter lim="800000"/>
+        </a:ln>
+        <a:ln w="19050" cap="flat" cmpd="sng" algn="ctr">
+          <a:solidFill>
+            <a:schemeClr val="phClr"/>
+          </a:solidFill>
+          <a:prstDash val="solid"/>
+          <a:miter lim="800000"/>
+        </a:ln>
+      </a:lnStyleLst>
+      <a:effectStyleLst>
+        <a:effectStyle>
+          <a:effectLst/>
+        </a:effectStyle>
+        <a:effectStyle>
+          <a:effectLst/>
+        </a:effectStyle>
+        <a:effectStyle>
+          <a:effectLst>
+            <a:outerShdw blurRad="57150" dist="19050" dir="5400000" algn="ctr" rotWithShape="0">
+              <a:srgbClr val="000000">
+                <a:alpha val="63000"/>
+              </a:srgbClr>
+            </a:outerShdw>
+          </a:effectLst>
+        </a:effectStyle>
+      </a:effectStyleLst>
+      <a:bgFillStyleLst>
+        <a:solidFill>
+          <a:schemeClr val="phClr"/>
+        </a:solidFill>
+        <a:solidFill>
+          <a:schemeClr val="phClr">
+            <a:tint val="95000"/>
+            <a:satMod val="170000"/>
+          </a:schemeClr>
+        </a:solidFill>
+        <a:gradFill rotWithShape="1">
+          <a:gsLst>
+            <a:gs pos="0">
+              <a:schemeClr val="phClr">
+                <a:tint val="93000"/>
+                <a:satMod val="150000"/>
+                <a:shade val="98000"/>
+                <a:lumMod val="102000"/>
+              </a:schemeClr>
+            </a:gs>
+            <a:gs pos="50000">
+              <a:schemeClr val="phClr">
+                <a:tint val="98000"/>
+                <a:satMod val="130000"/>
+                <a:shade val="90000"/>
+                <a:lumMod val="103000"/>
+              </a:schemeClr>
+            </a:gs>
+            <a:gs pos="100000">
+              <a:schemeClr val="phClr">
+                <a:shade val="63000"/>
+                <a:satMod val="120000"/>
+              </a:schemeClr>
+            </a:gs>
+          </a:gsLst>
+          <a:lin ang="5400000" scaled="0"/>
+        </a:gradFill>
+      </a:bgFillStyleLst>
+    </a:fmtScheme>
+  </a:themeElements>
+  <a:objectDefaults/>
+  <a:extraClrSchemeLst/>
+  <a:extLst>
+    <a:ext uri="{05A4C25C-085E-4340-85A3-A5531E510DB2}">
+      <thm15:themeFamily xmlns:thm15="http://schemas.microsoft.com/office/thememl/2012/main" name="Office Theme" id="{62F939B6-93AF-4DB8-9C6B-D6C7DFDC589F}" vid="{4A3C46E8-61CC-4603-A589-7422A47A8E4A}"/>
+    </a:ext>
+  </a:extLst>
+</a:theme>
 </file>
--- a/2013级本科毕设开题检查要求+报告模板+样例/软件学院本科毕业设计（论文）开题答辩+1133730206+李天宝.pptx
+++ b/2013级本科毕设开题检查要求+报告模板+样例/软件学院本科毕业设计（论文）开题答辩+1133730206+李天宝.pptx
@@ -795,7 +795,7 @@
           <a:p>
             <a:r>
               <a:rPr lang="zh-CN" altLang="en-US" dirty="0" smtClean="0"/>
-              <a:t>各位老师好，我是来自物联网工程的李天宝，现在在上海骇咕赛信息科技有限公司进行实习。我的毕业设计题目是“基于知识库的海量异构数据集成系统的设计与实现”。</a:t>
+              <a:t>各位老师好，我是来自物联网工程二班的李天宝，现在在上海骇咕赛信息科技有限公司进行实习。我的毕业设计题目是“基于知识库的海量异构数据集成系统的设计与实现”。</a:t>
             </a:r>
             <a:endParaRPr lang="zh-CN" altLang="en-US" dirty="0"/>
           </a:p>
@@ -828,6 +828,566 @@
     <p:extLst>
       <p:ext uri="{BB962C8B-B14F-4D97-AF65-F5344CB8AC3E}">
         <p14:creationId xmlns:p14="http://schemas.microsoft.com/office/powerpoint/2010/main" val="962576889"/>
+      </p:ext>
+    </p:extLst>
+  </p:cSld>
+  <p:clrMapOvr>
+    <a:masterClrMapping/>
+  </p:clrMapOvr>
+</p:notes>
+</file>
+
+<file path=ppt/notesSlides/notesSlide10.xml><?xml version="1.0" encoding="utf-8"?>
+<p:notes xmlns:a="http://schemas.openxmlformats.org/drawingml/2006/main" xmlns:r="http://schemas.openxmlformats.org/officeDocument/2006/relationships" xmlns:p="http://schemas.openxmlformats.org/presentationml/2006/main">
+  <p:cSld>
+    <p:spTree>
+      <p:nvGrpSpPr>
+        <p:cNvPr id="1" name=""/>
+        <p:cNvGrpSpPr/>
+        <p:nvPr/>
+      </p:nvGrpSpPr>
+      <p:grpSpPr>
+        <a:xfrm>
+          <a:off x="0" y="0"/>
+          <a:ext cx="0" cy="0"/>
+          <a:chOff x="0" y="0"/>
+          <a:chExt cx="0" cy="0"/>
+        </a:xfrm>
+      </p:grpSpPr>
+      <p:sp>
+        <p:nvSpPr>
+          <p:cNvPr id="2" name="幻灯片图像占位符 1"/>
+          <p:cNvSpPr>
+            <a:spLocks noGrp="1" noRot="1" noChangeAspect="1"/>
+          </p:cNvSpPr>
+          <p:nvPr>
+            <p:ph type="sldImg"/>
+          </p:nvPr>
+        </p:nvSpPr>
+        <p:spPr/>
+      </p:sp>
+      <p:sp>
+        <p:nvSpPr>
+          <p:cNvPr id="3" name="备注占位符 2"/>
+          <p:cNvSpPr>
+            <a:spLocks noGrp="1"/>
+          </p:cNvSpPr>
+          <p:nvPr>
+            <p:ph type="body" idx="1"/>
+          </p:nvPr>
+        </p:nvSpPr>
+        <p:spPr/>
+        <p:txBody>
+          <a:bodyPr/>
+          <a:lstStyle/>
+          <a:p>
+            <a:r>
+              <a:rPr lang="zh-CN" altLang="en-US" dirty="0" smtClean="0"/>
+              <a:t>我们的系统设计如下</a:t>
+            </a:r>
+            <a:endParaRPr lang="en-US" altLang="zh-CN" dirty="0" smtClean="0"/>
+          </a:p>
+          <a:p>
+            <a:r>
+              <a:rPr lang="zh-CN" altLang="en-US" dirty="0" smtClean="0"/>
+              <a:t>首先输入</a:t>
+            </a:r>
+            <a:r>
+              <a:rPr lang="en-US" altLang="zh-CN" dirty="0" smtClean="0"/>
+              <a:t>k</a:t>
+            </a:r>
+            <a:r>
+              <a:rPr lang="zh-CN" altLang="en-US" dirty="0" smtClean="0"/>
+              <a:t>的待集成的模式，并给定所实用的知识库</a:t>
+            </a:r>
+            <a:endParaRPr lang="en-US" altLang="zh-CN" dirty="0" smtClean="0"/>
+          </a:p>
+          <a:p>
+            <a:r>
+              <a:rPr lang="zh-CN" altLang="en-US" dirty="0" smtClean="0"/>
+              <a:t>其次，经过形式整合和语义整合，得到类似的属性</a:t>
+            </a:r>
+            <a:endParaRPr lang="en-US" altLang="zh-CN" dirty="0" smtClean="0"/>
+          </a:p>
+          <a:p>
+            <a:r>
+              <a:rPr lang="zh-CN" altLang="en-US" dirty="0" smtClean="0"/>
+              <a:t>最后将这个属性去重、匹配，得到我们想要的全局模式并输出</a:t>
+            </a:r>
+            <a:endParaRPr lang="en-US" altLang="zh-CN" dirty="0" smtClean="0"/>
+          </a:p>
+          <a:p>
+            <a:r>
+              <a:rPr lang="zh-CN" altLang="en-US" dirty="0" smtClean="0"/>
+              <a:t>整个功能通过一个前端界面进行指导</a:t>
+            </a:r>
+            <a:endParaRPr lang="zh-CN" altLang="en-US" dirty="0"/>
+          </a:p>
+        </p:txBody>
+      </p:sp>
+      <p:sp>
+        <p:nvSpPr>
+          <p:cNvPr id="4" name="灯片编号占位符 3"/>
+          <p:cNvSpPr>
+            <a:spLocks noGrp="1"/>
+          </p:cNvSpPr>
+          <p:nvPr>
+            <p:ph type="sldNum" sz="quarter" idx="10"/>
+          </p:nvPr>
+        </p:nvSpPr>
+        <p:spPr/>
+        <p:txBody>
+          <a:bodyPr/>
+          <a:lstStyle/>
+          <a:p>
+            <a:fld id="{DE49CEA1-4865-4C3D-9488-DE78CE33F6AB}" type="slidenum">
+              <a:rPr lang="zh-CN" altLang="en-US" smtClean="0"/>
+              <a:t>10</a:t>
+            </a:fld>
+            <a:endParaRPr lang="zh-CN" altLang="en-US"/>
+          </a:p>
+        </p:txBody>
+      </p:sp>
+    </p:spTree>
+    <p:extLst>
+      <p:ext uri="{BB962C8B-B14F-4D97-AF65-F5344CB8AC3E}">
+        <p14:creationId xmlns:p14="http://schemas.microsoft.com/office/powerpoint/2010/main" val="3128419991"/>
+      </p:ext>
+    </p:extLst>
+  </p:cSld>
+  <p:clrMapOvr>
+    <a:masterClrMapping/>
+  </p:clrMapOvr>
+</p:notes>
+</file>
+
+<file path=ppt/notesSlides/notesSlide11.xml><?xml version="1.0" encoding="utf-8"?>
+<p:notes xmlns:a="http://schemas.openxmlformats.org/drawingml/2006/main" xmlns:r="http://schemas.openxmlformats.org/officeDocument/2006/relationships" xmlns:p="http://schemas.openxmlformats.org/presentationml/2006/main">
+  <p:cSld>
+    <p:spTree>
+      <p:nvGrpSpPr>
+        <p:cNvPr id="1" name=""/>
+        <p:cNvGrpSpPr/>
+        <p:nvPr/>
+      </p:nvGrpSpPr>
+      <p:grpSpPr>
+        <a:xfrm>
+          <a:off x="0" y="0"/>
+          <a:ext cx="0" cy="0"/>
+          <a:chOff x="0" y="0"/>
+          <a:chExt cx="0" cy="0"/>
+        </a:xfrm>
+      </p:grpSpPr>
+      <p:sp>
+        <p:nvSpPr>
+          <p:cNvPr id="2" name="幻灯片图像占位符 1"/>
+          <p:cNvSpPr>
+            <a:spLocks noGrp="1" noRot="1" noChangeAspect="1"/>
+          </p:cNvSpPr>
+          <p:nvPr>
+            <p:ph type="sldImg"/>
+          </p:nvPr>
+        </p:nvSpPr>
+        <p:spPr/>
+      </p:sp>
+      <p:sp>
+        <p:nvSpPr>
+          <p:cNvPr id="3" name="备注占位符 2"/>
+          <p:cNvSpPr>
+            <a:spLocks noGrp="1"/>
+          </p:cNvSpPr>
+          <p:nvPr>
+            <p:ph type="body" idx="1"/>
+          </p:nvPr>
+        </p:nvSpPr>
+        <p:spPr/>
+        <p:txBody>
+          <a:bodyPr/>
+          <a:lstStyle/>
+          <a:p>
+            <a:r>
+              <a:rPr lang="zh-CN" altLang="en-US" dirty="0" smtClean="0"/>
+              <a:t>用户在这个过程中，首先需要选定使用的知识库并给定待处理的模式，其次需要给定形近相似和语义相似的阈值，来决定多大范围的差异是可以判定为相似属性的。最后用户需要执行集成并观察输出的结果。</a:t>
+            </a:r>
+            <a:endParaRPr lang="en-US" altLang="zh-CN" dirty="0" smtClean="0"/>
+          </a:p>
+          <a:p>
+            <a:r>
+              <a:rPr lang="zh-CN" altLang="en-US" dirty="0" smtClean="0"/>
+              <a:t>因此，用户在执行的前期需要与系统进行交互，来设置算法执行的相关配置。随后系统进入执行状态计算结果，并将结果呈现给用户。</a:t>
+            </a:r>
+            <a:endParaRPr lang="zh-CN" altLang="en-US" dirty="0"/>
+          </a:p>
+        </p:txBody>
+      </p:sp>
+      <p:sp>
+        <p:nvSpPr>
+          <p:cNvPr id="4" name="灯片编号占位符 3"/>
+          <p:cNvSpPr>
+            <a:spLocks noGrp="1"/>
+          </p:cNvSpPr>
+          <p:nvPr>
+            <p:ph type="sldNum" sz="quarter" idx="10"/>
+          </p:nvPr>
+        </p:nvSpPr>
+        <p:spPr/>
+        <p:txBody>
+          <a:bodyPr/>
+          <a:lstStyle/>
+          <a:p>
+            <a:fld id="{DE49CEA1-4865-4C3D-9488-DE78CE33F6AB}" type="slidenum">
+              <a:rPr lang="zh-CN" altLang="en-US" smtClean="0"/>
+              <a:t>11</a:t>
+            </a:fld>
+            <a:endParaRPr lang="zh-CN" altLang="en-US"/>
+          </a:p>
+        </p:txBody>
+      </p:sp>
+    </p:spTree>
+    <p:extLst>
+      <p:ext uri="{BB962C8B-B14F-4D97-AF65-F5344CB8AC3E}">
+        <p14:creationId xmlns:p14="http://schemas.microsoft.com/office/powerpoint/2010/main" val="2284562328"/>
+      </p:ext>
+    </p:extLst>
+  </p:cSld>
+  <p:clrMapOvr>
+    <a:masterClrMapping/>
+  </p:clrMapOvr>
+</p:notes>
+</file>
+
+<file path=ppt/notesSlides/notesSlide12.xml><?xml version="1.0" encoding="utf-8"?>
+<p:notes xmlns:a="http://schemas.openxmlformats.org/drawingml/2006/main" xmlns:r="http://schemas.openxmlformats.org/officeDocument/2006/relationships" xmlns:p="http://schemas.openxmlformats.org/presentationml/2006/main">
+  <p:cSld>
+    <p:spTree>
+      <p:nvGrpSpPr>
+        <p:cNvPr id="1" name=""/>
+        <p:cNvGrpSpPr/>
+        <p:nvPr/>
+      </p:nvGrpSpPr>
+      <p:grpSpPr>
+        <a:xfrm>
+          <a:off x="0" y="0"/>
+          <a:ext cx="0" cy="0"/>
+          <a:chOff x="0" y="0"/>
+          <a:chExt cx="0" cy="0"/>
+        </a:xfrm>
+      </p:grpSpPr>
+      <p:sp>
+        <p:nvSpPr>
+          <p:cNvPr id="2" name="幻灯片图像占位符 1"/>
+          <p:cNvSpPr>
+            <a:spLocks noGrp="1" noRot="1" noChangeAspect="1"/>
+          </p:cNvSpPr>
+          <p:nvPr>
+            <p:ph type="sldImg"/>
+          </p:nvPr>
+        </p:nvSpPr>
+        <p:spPr/>
+      </p:sp>
+      <p:sp>
+        <p:nvSpPr>
+          <p:cNvPr id="3" name="备注占位符 2"/>
+          <p:cNvSpPr>
+            <a:spLocks noGrp="1"/>
+          </p:cNvSpPr>
+          <p:nvPr>
+            <p:ph type="body" idx="1"/>
+          </p:nvPr>
+        </p:nvSpPr>
+        <p:spPr/>
+        <p:txBody>
+          <a:bodyPr/>
+          <a:lstStyle/>
+          <a:p>
+            <a:r>
+              <a:rPr lang="zh-CN" altLang="en-US" dirty="0" smtClean="0"/>
+              <a:t>开发整个项目预计需要以下的工具：</a:t>
+            </a:r>
+            <a:endParaRPr lang="en-US" altLang="zh-CN" dirty="0" smtClean="0"/>
+          </a:p>
+          <a:p>
+            <a:r>
+              <a:rPr lang="zh-CN" altLang="en-US" dirty="0" smtClean="0"/>
+              <a:t>。。。</a:t>
+            </a:r>
+            <a:endParaRPr lang="en-US" altLang="zh-CN" dirty="0" smtClean="0"/>
+          </a:p>
+          <a:p>
+            <a:r>
+              <a:rPr lang="zh-CN" altLang="en-US" dirty="0" smtClean="0"/>
+              <a:t>。。。</a:t>
+            </a:r>
+            <a:endParaRPr lang="en-US" altLang="zh-CN" dirty="0" smtClean="0"/>
+          </a:p>
+          <a:p>
+            <a:r>
+              <a:rPr lang="zh-CN" altLang="en-US" dirty="0" smtClean="0"/>
+              <a:t>。。。</a:t>
+            </a:r>
+            <a:endParaRPr lang="en-US" altLang="zh-CN" dirty="0" smtClean="0"/>
+          </a:p>
+          <a:p>
+            <a:r>
+              <a:rPr lang="zh-CN" altLang="en-US" dirty="0" smtClean="0"/>
+              <a:t>。。。</a:t>
+            </a:r>
+            <a:endParaRPr lang="en-US" altLang="zh-CN" dirty="0" smtClean="0"/>
+          </a:p>
+          <a:p>
+            <a:r>
+              <a:rPr lang="zh-CN" altLang="en-US" dirty="0" smtClean="0"/>
+              <a:t>。。。</a:t>
+            </a:r>
+            <a:endParaRPr lang="en-US" altLang="zh-CN" dirty="0" smtClean="0"/>
+          </a:p>
+          <a:p>
+            <a:r>
+              <a:rPr lang="zh-CN" altLang="en-US" dirty="0" smtClean="0"/>
+              <a:t>。。。</a:t>
+            </a:r>
+            <a:endParaRPr lang="zh-CN" altLang="en-US" dirty="0"/>
+          </a:p>
+        </p:txBody>
+      </p:sp>
+      <p:sp>
+        <p:nvSpPr>
+          <p:cNvPr id="4" name="灯片编号占位符 3"/>
+          <p:cNvSpPr>
+            <a:spLocks noGrp="1"/>
+          </p:cNvSpPr>
+          <p:nvPr>
+            <p:ph type="sldNum" sz="quarter" idx="10"/>
+          </p:nvPr>
+        </p:nvSpPr>
+        <p:spPr/>
+        <p:txBody>
+          <a:bodyPr/>
+          <a:lstStyle/>
+          <a:p>
+            <a:fld id="{DE49CEA1-4865-4C3D-9488-DE78CE33F6AB}" type="slidenum">
+              <a:rPr lang="zh-CN" altLang="en-US" smtClean="0"/>
+              <a:t>12</a:t>
+            </a:fld>
+            <a:endParaRPr lang="zh-CN" altLang="en-US"/>
+          </a:p>
+        </p:txBody>
+      </p:sp>
+    </p:spTree>
+    <p:extLst>
+      <p:ext uri="{BB962C8B-B14F-4D97-AF65-F5344CB8AC3E}">
+        <p14:creationId xmlns:p14="http://schemas.microsoft.com/office/powerpoint/2010/main" val="1735615138"/>
+      </p:ext>
+    </p:extLst>
+  </p:cSld>
+  <p:clrMapOvr>
+    <a:masterClrMapping/>
+  </p:clrMapOvr>
+</p:notes>
+</file>
+
+<file path=ppt/notesSlides/notesSlide13.xml><?xml version="1.0" encoding="utf-8"?>
+<p:notes xmlns:a="http://schemas.openxmlformats.org/drawingml/2006/main" xmlns:r="http://schemas.openxmlformats.org/officeDocument/2006/relationships" xmlns:p="http://schemas.openxmlformats.org/presentationml/2006/main">
+  <p:cSld>
+    <p:spTree>
+      <p:nvGrpSpPr>
+        <p:cNvPr id="1" name=""/>
+        <p:cNvGrpSpPr/>
+        <p:nvPr/>
+      </p:nvGrpSpPr>
+      <p:grpSpPr>
+        <a:xfrm>
+          <a:off x="0" y="0"/>
+          <a:ext cx="0" cy="0"/>
+          <a:chOff x="0" y="0"/>
+          <a:chExt cx="0" cy="0"/>
+        </a:xfrm>
+      </p:grpSpPr>
+      <p:sp>
+        <p:nvSpPr>
+          <p:cNvPr id="2" name="幻灯片图像占位符 1"/>
+          <p:cNvSpPr>
+            <a:spLocks noGrp="1" noRot="1" noChangeAspect="1"/>
+          </p:cNvSpPr>
+          <p:nvPr>
+            <p:ph type="sldImg"/>
+          </p:nvPr>
+        </p:nvSpPr>
+        <p:spPr/>
+      </p:sp>
+      <p:sp>
+        <p:nvSpPr>
+          <p:cNvPr id="3" name="备注占位符 2"/>
+          <p:cNvSpPr>
+            <a:spLocks noGrp="1"/>
+          </p:cNvSpPr>
+          <p:nvPr>
+            <p:ph type="body" idx="1"/>
+          </p:nvPr>
+        </p:nvSpPr>
+        <p:spPr/>
+        <p:txBody>
+          <a:bodyPr/>
+          <a:lstStyle/>
+          <a:p>
+            <a:r>
+              <a:rPr lang="zh-CN" altLang="en-US" dirty="0" smtClean="0"/>
+              <a:t>在时间的安排上</a:t>
+            </a:r>
+            <a:endParaRPr lang="en-US" altLang="zh-CN" dirty="0" smtClean="0"/>
+          </a:p>
+          <a:p>
+            <a:r>
+              <a:rPr lang="zh-CN" altLang="en-US" dirty="0" smtClean="0"/>
+              <a:t>入职前期需要学习大数据处理和公司平台的相关基本知识，为之后的工作打下基础</a:t>
+            </a:r>
+            <a:endParaRPr lang="en-US" altLang="zh-CN" dirty="0" smtClean="0"/>
+          </a:p>
+          <a:p>
+            <a:r>
+              <a:rPr lang="zh-CN" altLang="en-US" dirty="0" smtClean="0"/>
+              <a:t>随后需要确定选题内容并完成项目的设计，此两项工作已经完成并体现在开题报告和答辩中</a:t>
+            </a:r>
+            <a:endParaRPr lang="en-US" altLang="zh-CN" dirty="0" smtClean="0"/>
+          </a:p>
+          <a:p>
+            <a:r>
+              <a:rPr lang="zh-CN" altLang="en-US" dirty="0" smtClean="0"/>
+              <a:t>项目中期，即在中期答辩前，应完成相关集成算法的设计，并在小数据集上测试，检测准确度并调优算法</a:t>
+            </a:r>
+            <a:endParaRPr lang="en-US" altLang="zh-CN" dirty="0" smtClean="0"/>
+          </a:p>
+          <a:p>
+            <a:r>
+              <a:rPr lang="zh-CN" altLang="en-US" dirty="0" smtClean="0"/>
+              <a:t>项目后期主要工作在完成大数据集上的测试，针对效率调优算法，完成前端展示界面并撰写毕业论文</a:t>
+            </a:r>
+            <a:endParaRPr lang="en-US" altLang="zh-CN" dirty="0" smtClean="0"/>
+          </a:p>
+          <a:p>
+            <a:endParaRPr lang="zh-CN" altLang="en-US" dirty="0"/>
+          </a:p>
+        </p:txBody>
+      </p:sp>
+      <p:sp>
+        <p:nvSpPr>
+          <p:cNvPr id="4" name="灯片编号占位符 3"/>
+          <p:cNvSpPr>
+            <a:spLocks noGrp="1"/>
+          </p:cNvSpPr>
+          <p:nvPr>
+            <p:ph type="sldNum" sz="quarter" idx="10"/>
+          </p:nvPr>
+        </p:nvSpPr>
+        <p:spPr/>
+        <p:txBody>
+          <a:bodyPr/>
+          <a:lstStyle/>
+          <a:p>
+            <a:fld id="{DE49CEA1-4865-4C3D-9488-DE78CE33F6AB}" type="slidenum">
+              <a:rPr lang="zh-CN" altLang="en-US" smtClean="0"/>
+              <a:t>13</a:t>
+            </a:fld>
+            <a:endParaRPr lang="zh-CN" altLang="en-US"/>
+          </a:p>
+        </p:txBody>
+      </p:sp>
+    </p:spTree>
+    <p:extLst>
+      <p:ext uri="{BB962C8B-B14F-4D97-AF65-F5344CB8AC3E}">
+        <p14:creationId xmlns:p14="http://schemas.microsoft.com/office/powerpoint/2010/main" val="1218163452"/>
+      </p:ext>
+    </p:extLst>
+  </p:cSld>
+  <p:clrMapOvr>
+    <a:masterClrMapping/>
+  </p:clrMapOvr>
+</p:notes>
+</file>
+
+<file path=ppt/notesSlides/notesSlide14.xml><?xml version="1.0" encoding="utf-8"?>
+<p:notes xmlns:a="http://schemas.openxmlformats.org/drawingml/2006/main" xmlns:r="http://schemas.openxmlformats.org/officeDocument/2006/relationships" xmlns:p="http://schemas.openxmlformats.org/presentationml/2006/main">
+  <p:cSld>
+    <p:spTree>
+      <p:nvGrpSpPr>
+        <p:cNvPr id="1" name=""/>
+        <p:cNvGrpSpPr/>
+        <p:nvPr/>
+      </p:nvGrpSpPr>
+      <p:grpSpPr>
+        <a:xfrm>
+          <a:off x="0" y="0"/>
+          <a:ext cx="0" cy="0"/>
+          <a:chOff x="0" y="0"/>
+          <a:chExt cx="0" cy="0"/>
+        </a:xfrm>
+      </p:grpSpPr>
+      <p:sp>
+        <p:nvSpPr>
+          <p:cNvPr id="2" name="幻灯片图像占位符 1"/>
+          <p:cNvSpPr>
+            <a:spLocks noGrp="1" noRot="1" noChangeAspect="1"/>
+          </p:cNvSpPr>
+          <p:nvPr>
+            <p:ph type="sldImg"/>
+          </p:nvPr>
+        </p:nvSpPr>
+        <p:spPr/>
+      </p:sp>
+      <p:sp>
+        <p:nvSpPr>
+          <p:cNvPr id="3" name="备注占位符 2"/>
+          <p:cNvSpPr>
+            <a:spLocks noGrp="1"/>
+          </p:cNvSpPr>
+          <p:nvPr>
+            <p:ph type="body" idx="1"/>
+          </p:nvPr>
+        </p:nvSpPr>
+        <p:spPr/>
+        <p:txBody>
+          <a:bodyPr/>
+          <a:lstStyle/>
+          <a:p>
+            <a:r>
+              <a:rPr lang="zh-CN" altLang="en-US" dirty="0" smtClean="0"/>
+              <a:t>以上便是我对个人在</a:t>
+            </a:r>
+            <a:r>
+              <a:rPr lang="zh-CN" altLang="en-US" dirty="0" smtClean="0"/>
+              <a:t>上海骇咕赛信息科技有限公司进行实习过程中，所确定的毕业设计项目的相关介绍，希望在座的老师对于不当之处予以指导，谢谢</a:t>
+            </a:r>
+            <a:endParaRPr lang="zh-CN" altLang="en-US" dirty="0"/>
+          </a:p>
+        </p:txBody>
+      </p:sp>
+      <p:sp>
+        <p:nvSpPr>
+          <p:cNvPr id="4" name="灯片编号占位符 3"/>
+          <p:cNvSpPr>
+            <a:spLocks noGrp="1"/>
+          </p:cNvSpPr>
+          <p:nvPr>
+            <p:ph type="sldNum" sz="quarter" idx="10"/>
+          </p:nvPr>
+        </p:nvSpPr>
+        <p:spPr/>
+        <p:txBody>
+          <a:bodyPr/>
+          <a:lstStyle/>
+          <a:p>
+            <a:fld id="{DE49CEA1-4865-4C3D-9488-DE78CE33F6AB}" type="slidenum">
+              <a:rPr lang="zh-CN" altLang="en-US" smtClean="0"/>
+              <a:t>14</a:t>
+            </a:fld>
+            <a:endParaRPr lang="zh-CN" altLang="en-US"/>
+          </a:p>
+        </p:txBody>
+      </p:sp>
+    </p:spTree>
+    <p:extLst>
+      <p:ext uri="{BB962C8B-B14F-4D97-AF65-F5344CB8AC3E}">
+        <p14:creationId xmlns:p14="http://schemas.microsoft.com/office/powerpoint/2010/main" val="1933247820"/>
       </p:ext>
     </p:extLst>
   </p:cSld>
@@ -883,7 +1443,7 @@
           <a:p>
             <a:r>
               <a:rPr lang="zh-CN" altLang="en-US" dirty="0" smtClean="0"/>
-              <a:t>今天，我将从项目背景、需求、设计和时间安排几个方面对我的毕业设计进行介绍。</a:t>
+              <a:t>今天，我将从项目背景、需求、总体设计和项目安排几个方面对我的毕业设计进行介绍。</a:t>
             </a:r>
             <a:endParaRPr lang="zh-CN" altLang="en-US" dirty="0"/>
           </a:p>
@@ -1110,7 +1670,7 @@
           <a:p>
             <a:r>
               <a:rPr lang="zh-CN" altLang="en-US" dirty="0" smtClean="0"/>
-              <a:t>数据集成将把这些不同形式的数据整个成一个同一个模式，主要分为模式集成、记录连接、数据融合三个部分。而作为数据集成的基础，模式集成，即将不同数据表的模式（也就是我们常说的</a:t>
+              <a:t>数据集成将把这些不同形式的数据整个成一个同一个模式进行展现，主要分为模式集成、记录连接、数据融合三个部分。而作为数据集成的基础，模式集成，即将不同数据表的模式（也就是我们常说的包含有很多属性的</a:t>
             </a:r>
             <a:r>
               <a:rPr lang="en-US" altLang="zh-CN" dirty="0" smtClean="0"/>
@@ -1118,7 +1678,7 @@
             </a:r>
             <a:r>
               <a:rPr lang="zh-CN" altLang="en-US" dirty="0" smtClean="0"/>
-              <a:t>）进行集成，这是数据集成很关键也是很有难度的一步。因此为了使题目更为专一、更具有针对性，我的毕设主要做的树模式集成这一部分、</a:t>
+              <a:t>）进行集成，这是数据集成很关键也是很有难度的一步。因此为了使题目更为专一、更具有针对性，我的毕设主要做的是模式集成这一部分。</a:t>
             </a:r>
             <a:endParaRPr lang="zh-CN" altLang="en-US" dirty="0"/>
           </a:p>
@@ -1228,7 +1788,7 @@
             </a:r>
             <a:r>
               <a:rPr lang="zh-CN" altLang="en-US" dirty="0" smtClean="0"/>
-              <a:t>数据异构，各个数据库间模式是不相同的，但有很多不相同的属性实际上代表的是同一条数据本体</a:t>
+              <a:t>数据异构，各个数据库间模式名字上是不相同的，但有很多不相同的属性实际上代表的是同一个数据维度</a:t>
             </a:r>
             <a:endParaRPr lang="en-US" altLang="zh-CN" dirty="0" smtClean="0"/>
           </a:p>
@@ -1246,7 +1806,7 @@
           <a:p>
             <a:r>
               <a:rPr lang="zh-CN" altLang="en-US" dirty="0" smtClean="0"/>
-              <a:t>此外，面对属性的精度、一致性和集成的速度等问题，如何高效、准确的生成一个全局的数据模式，并产生对应原有个属性之前的关系成为了本项目的目标。</a:t>
+              <a:t>此外，面对属性的精度、一致性和集成的速度等问题，如何高效、准确的生成一个全局的数据模式，并产生对应原有各个属性之前的关系成为了本项目的目标。</a:t>
             </a:r>
             <a:endParaRPr lang="zh-CN" altLang="en-US" dirty="0"/>
           </a:p>
@@ -1349,7 +1909,7 @@
             </a:r>
             <a:r>
               <a:rPr lang="zh-CN" altLang="en-US" dirty="0" smtClean="0"/>
-              <a:t>这个属性在两个数据库中都是存在的，然而指向同一概念的属性，如</a:t>
+              <a:t>这个属性。然而其他指向同一概念的属性，如</a:t>
             </a:r>
             <a:r>
               <a:rPr lang="en-US" altLang="zh-CN" dirty="0" smtClean="0"/>
@@ -1373,7 +1933,7 @@
                   <a:schemeClr val="bg1"/>
                 </a:solidFill>
               </a:rPr>
-              <a:t>理应是相似的。所以，如何判定属性是相似的并合成同一属性，这个就成为了一个核心问题。同时，最终获得的全局模式，也应包含仅存在一个数据库中的属性， 如</a:t>
+              <a:t>理应是同一属性，或者说这两个属性是相似的。所以，如何判定属性是相似的并合成同一属性，这个就成为了一个核心问题。同时，最终获得的全局模式，也应包含仅存在部分数据库中的属性， 如</a:t>
             </a:r>
             <a:r>
               <a:rPr lang="en-US" altLang="zh-CN" sz="1200" dirty="0" smtClean="0">
@@ -1473,6 +2033,12 @@
             </a:r>
             <a:endParaRPr lang="en-US" altLang="zh-CN" dirty="0" smtClean="0"/>
           </a:p>
+          <a:p>
+            <a:r>
+              <a:rPr lang="zh-CN" altLang="en-US" dirty="0" smtClean="0"/>
+              <a:t>模式集成平台应能接收标准的数据库模式，并尽可能的在多个维度上完成模式集成的功能，保证多种情况的类似属性都能够检测出并合理的整合。同时为了保证这个系统的可用性和展示效果，应设计友好的用户界面来指导完成模式集成的工作，使这个抽象的操作更容易的进行。</a:t>
+            </a:r>
+          </a:p>
         </p:txBody>
       </p:sp>
       <p:sp>
@@ -1502,6 +2068,262 @@
     <p:extLst>
       <p:ext uri="{BB962C8B-B14F-4D97-AF65-F5344CB8AC3E}">
         <p14:creationId xmlns:p14="http://schemas.microsoft.com/office/powerpoint/2010/main" val="2604449388"/>
+      </p:ext>
+    </p:extLst>
+  </p:cSld>
+  <p:clrMapOvr>
+    <a:masterClrMapping/>
+  </p:clrMapOvr>
+</p:notes>
+</file>
+
+<file path=ppt/notesSlides/notesSlide8.xml><?xml version="1.0" encoding="utf-8"?>
+<p:notes xmlns:a="http://schemas.openxmlformats.org/drawingml/2006/main" xmlns:r="http://schemas.openxmlformats.org/officeDocument/2006/relationships" xmlns:p="http://schemas.openxmlformats.org/presentationml/2006/main">
+  <p:cSld>
+    <p:spTree>
+      <p:nvGrpSpPr>
+        <p:cNvPr id="1" name=""/>
+        <p:cNvGrpSpPr/>
+        <p:nvPr/>
+      </p:nvGrpSpPr>
+      <p:grpSpPr>
+        <a:xfrm>
+          <a:off x="0" y="0"/>
+          <a:ext cx="0" cy="0"/>
+          <a:chOff x="0" y="0"/>
+          <a:chExt cx="0" cy="0"/>
+        </a:xfrm>
+      </p:grpSpPr>
+      <p:sp>
+        <p:nvSpPr>
+          <p:cNvPr id="2" name="幻灯片图像占位符 1"/>
+          <p:cNvSpPr>
+            <a:spLocks noGrp="1" noRot="1" noChangeAspect="1"/>
+          </p:cNvSpPr>
+          <p:nvPr>
+            <p:ph type="sldImg"/>
+          </p:nvPr>
+        </p:nvSpPr>
+        <p:spPr/>
+      </p:sp>
+      <p:sp>
+        <p:nvSpPr>
+          <p:cNvPr id="3" name="备注占位符 2"/>
+          <p:cNvSpPr>
+            <a:spLocks noGrp="1"/>
+          </p:cNvSpPr>
+          <p:nvPr>
+            <p:ph type="body" idx="1"/>
+          </p:nvPr>
+        </p:nvSpPr>
+        <p:spPr/>
+        <p:txBody>
+          <a:bodyPr/>
+          <a:lstStyle/>
+          <a:p>
+            <a:r>
+              <a:rPr lang="zh-CN" altLang="en-US" dirty="0" smtClean="0"/>
+              <a:t>预处理模块主要是。。。</a:t>
+            </a:r>
+            <a:endParaRPr lang="en-US" altLang="zh-CN" dirty="0" smtClean="0"/>
+          </a:p>
+          <a:p>
+            <a:r>
+              <a:rPr lang="zh-CN" altLang="en-US" dirty="0" smtClean="0"/>
+              <a:t>形式整合模块主要处理字形上相近的属性，更多是拼写错误导致差异的属性，这里我们准备采用编辑距离这一衡量标准，先。。。</a:t>
+            </a:r>
+            <a:endParaRPr lang="en-US" altLang="zh-CN" dirty="0" smtClean="0"/>
+          </a:p>
+          <a:p>
+            <a:r>
+              <a:rPr lang="zh-CN" altLang="en-US" dirty="0" smtClean="0"/>
+              <a:t>语义整合模块主要处理概念含义上相近的属性，这里我们采用现有的知识库如</a:t>
+            </a:r>
+            <a:r>
+              <a:rPr lang="en-US" altLang="zh-CN" dirty="0" smtClean="0"/>
+              <a:t>freebase</a:t>
+            </a:r>
+            <a:r>
+              <a:rPr lang="zh-CN" altLang="en-US" dirty="0" smtClean="0"/>
+              <a:t>作为判定标准。同时我们模拟数据库中</a:t>
+            </a:r>
+            <a:r>
+              <a:rPr lang="en-US" altLang="zh-CN" dirty="0" smtClean="0"/>
+              <a:t>join</a:t>
+            </a:r>
+            <a:r>
+              <a:rPr lang="zh-CN" altLang="en-US" dirty="0" smtClean="0"/>
+              <a:t>连接的概念，将给定的输入属性集合在知识库上进行一定次数的</a:t>
+            </a:r>
+            <a:r>
+              <a:rPr lang="en-US" altLang="zh-CN" dirty="0" smtClean="0"/>
+              <a:t>join</a:t>
+            </a:r>
+            <a:r>
+              <a:rPr lang="zh-CN" altLang="en-US" dirty="0" smtClean="0"/>
+              <a:t>，得到在一定范围内相似的知识库本体，并去匹配与本体对应的属性</a:t>
+            </a:r>
+            <a:endParaRPr lang="en-US" altLang="zh-CN" dirty="0" smtClean="0"/>
+          </a:p>
+          <a:p>
+            <a:r>
+              <a:rPr lang="zh-CN" altLang="en-US" dirty="0" smtClean="0"/>
+              <a:t>全局模式模块用来生成满足我们所期待的、包含所有数据库属性的模式。。。</a:t>
+            </a:r>
+            <a:endParaRPr lang="en-US" altLang="zh-CN" dirty="0" smtClean="0"/>
+          </a:p>
+          <a:p>
+            <a:r>
+              <a:rPr lang="zh-CN" altLang="en-US" dirty="0" smtClean="0"/>
+              <a:t>用户界面模块是使用户能够。。。</a:t>
+            </a:r>
+            <a:endParaRPr lang="zh-CN" altLang="en-US" dirty="0"/>
+          </a:p>
+        </p:txBody>
+      </p:sp>
+      <p:sp>
+        <p:nvSpPr>
+          <p:cNvPr id="4" name="灯片编号占位符 3"/>
+          <p:cNvSpPr>
+            <a:spLocks noGrp="1"/>
+          </p:cNvSpPr>
+          <p:nvPr>
+            <p:ph type="sldNum" sz="quarter" idx="10"/>
+          </p:nvPr>
+        </p:nvSpPr>
+        <p:spPr/>
+        <p:txBody>
+          <a:bodyPr/>
+          <a:lstStyle/>
+          <a:p>
+            <a:fld id="{DE49CEA1-4865-4C3D-9488-DE78CE33F6AB}" type="slidenum">
+              <a:rPr lang="zh-CN" altLang="en-US" smtClean="0"/>
+              <a:t>8</a:t>
+            </a:fld>
+            <a:endParaRPr lang="zh-CN" altLang="en-US"/>
+          </a:p>
+        </p:txBody>
+      </p:sp>
+    </p:spTree>
+    <p:extLst>
+      <p:ext uri="{BB962C8B-B14F-4D97-AF65-F5344CB8AC3E}">
+        <p14:creationId xmlns:p14="http://schemas.microsoft.com/office/powerpoint/2010/main" val="303026013"/>
+      </p:ext>
+    </p:extLst>
+  </p:cSld>
+  <p:clrMapOvr>
+    <a:masterClrMapping/>
+  </p:clrMapOvr>
+</p:notes>
+</file>
+
+<file path=ppt/notesSlides/notesSlide9.xml><?xml version="1.0" encoding="utf-8"?>
+<p:notes xmlns:a="http://schemas.openxmlformats.org/drawingml/2006/main" xmlns:r="http://schemas.openxmlformats.org/officeDocument/2006/relationships" xmlns:p="http://schemas.openxmlformats.org/presentationml/2006/main">
+  <p:cSld>
+    <p:spTree>
+      <p:nvGrpSpPr>
+        <p:cNvPr id="1" name=""/>
+        <p:cNvGrpSpPr/>
+        <p:nvPr/>
+      </p:nvGrpSpPr>
+      <p:grpSpPr>
+        <a:xfrm>
+          <a:off x="0" y="0"/>
+          <a:ext cx="0" cy="0"/>
+          <a:chOff x="0" y="0"/>
+          <a:chExt cx="0" cy="0"/>
+        </a:xfrm>
+      </p:grpSpPr>
+      <p:sp>
+        <p:nvSpPr>
+          <p:cNvPr id="2" name="幻灯片图像占位符 1"/>
+          <p:cNvSpPr>
+            <a:spLocks noGrp="1" noRot="1" noChangeAspect="1"/>
+          </p:cNvSpPr>
+          <p:nvPr>
+            <p:ph type="sldImg"/>
+          </p:nvPr>
+        </p:nvSpPr>
+        <p:spPr/>
+      </p:sp>
+      <p:sp>
+        <p:nvSpPr>
+          <p:cNvPr id="3" name="备注占位符 2"/>
+          <p:cNvSpPr>
+            <a:spLocks noGrp="1"/>
+          </p:cNvSpPr>
+          <p:nvPr>
+            <p:ph type="body" idx="1"/>
+          </p:nvPr>
+        </p:nvSpPr>
+        <p:spPr/>
+        <p:txBody>
+          <a:bodyPr/>
+          <a:lstStyle/>
+          <a:p>
+            <a:r>
+              <a:rPr lang="zh-CN" altLang="en-US" dirty="0" smtClean="0"/>
+              <a:t>功能上，我们的平台应该达到以下几点</a:t>
+            </a:r>
+            <a:endParaRPr lang="en-US" altLang="zh-CN" dirty="0" smtClean="0"/>
+          </a:p>
+          <a:p>
+            <a:r>
+              <a:rPr lang="zh-CN" altLang="en-US" dirty="0" smtClean="0"/>
+              <a:t>空间需求。。。</a:t>
+            </a:r>
+            <a:endParaRPr lang="en-US" altLang="zh-CN" dirty="0" smtClean="0"/>
+          </a:p>
+          <a:p>
+            <a:r>
+              <a:rPr lang="zh-CN" altLang="en-US" dirty="0" smtClean="0"/>
+              <a:t>时间需求。。。</a:t>
+            </a:r>
+            <a:endParaRPr lang="en-US" altLang="zh-CN" dirty="0" smtClean="0"/>
+          </a:p>
+          <a:p>
+            <a:r>
+              <a:rPr lang="zh-CN" altLang="en-US" dirty="0" smtClean="0"/>
+              <a:t>稳定性。。。</a:t>
+            </a:r>
+            <a:endParaRPr lang="en-US" altLang="zh-CN" dirty="0" smtClean="0"/>
+          </a:p>
+          <a:p>
+            <a:r>
+              <a:rPr lang="zh-CN" altLang="en-US" dirty="0" smtClean="0"/>
+              <a:t>扩展性。。。</a:t>
+            </a:r>
+            <a:endParaRPr lang="zh-CN" altLang="en-US" dirty="0"/>
+          </a:p>
+        </p:txBody>
+      </p:sp>
+      <p:sp>
+        <p:nvSpPr>
+          <p:cNvPr id="4" name="灯片编号占位符 3"/>
+          <p:cNvSpPr>
+            <a:spLocks noGrp="1"/>
+          </p:cNvSpPr>
+          <p:nvPr>
+            <p:ph type="sldNum" sz="quarter" idx="10"/>
+          </p:nvPr>
+        </p:nvSpPr>
+        <p:spPr/>
+        <p:txBody>
+          <a:bodyPr/>
+          <a:lstStyle/>
+          <a:p>
+            <a:fld id="{DE49CEA1-4865-4C3D-9488-DE78CE33F6AB}" type="slidenum">
+              <a:rPr lang="zh-CN" altLang="en-US" smtClean="0"/>
+              <a:t>9</a:t>
+            </a:fld>
+            <a:endParaRPr lang="zh-CN" altLang="en-US"/>
+          </a:p>
+        </p:txBody>
+      </p:sp>
+    </p:spTree>
+    <p:extLst>
+      <p:ext uri="{BB962C8B-B14F-4D97-AF65-F5344CB8AC3E}">
+        <p14:creationId xmlns:p14="http://schemas.microsoft.com/office/powerpoint/2010/main" val="1376085010"/>
       </p:ext>
     </p:extLst>
   </p:cSld>
@@ -6276,12 +7098,12 @@
           <a:graphicData uri="http://schemas.openxmlformats.org/presentationml/2006/ole">
             <mc:AlternateContent xmlns:mc="http://schemas.openxmlformats.org/markup-compatibility/2006">
               <mc:Choice xmlns:v="urn:schemas-microsoft-com:vml" Requires="v">
-                <p:oleObj spid="_x0000_s8232" name="Visio" r:id="rId3" imgW="9776899" imgH="7509032" progId="Visio.Drawing.15">
+                <p:oleObj spid="_x0000_s8238" name="Visio" r:id="rId4" imgW="9776899" imgH="7509032" progId="Visio.Drawing.15">
                   <p:embed/>
                 </p:oleObj>
               </mc:Choice>
               <mc:Fallback>
-                <p:oleObj name="Visio" r:id="rId3" imgW="9776899" imgH="7509032" progId="Visio.Drawing.15">
+                <p:oleObj name="Visio" r:id="rId4" imgW="9776899" imgH="7509032" progId="Visio.Drawing.15">
                   <p:embed/>
                   <p:pic>
                     <p:nvPicPr>
@@ -6292,7 +7114,7 @@
                       <p:nvPr/>
                     </p:nvPicPr>
                     <p:blipFill>
-                      <a:blip r:embed="rId4"/>
+                      <a:blip r:embed="rId5"/>
                       <a:srcRect/>
                       <a:stretch>
                         <a:fillRect/>
@@ -6655,12 +7477,12 @@
           <a:graphicData uri="http://schemas.openxmlformats.org/presentationml/2006/ole">
             <mc:AlternateContent xmlns:mc="http://schemas.openxmlformats.org/markup-compatibility/2006">
               <mc:Choice xmlns:v="urn:schemas-microsoft-com:vml" Requires="v">
-                <p:oleObj spid="_x0000_s9295" name="Visio" r:id="rId3" imgW="4157887" imgH="5550674" progId="Visio.Drawing.15">
+                <p:oleObj spid="_x0000_s9309" name="Visio" r:id="rId4" imgW="4157887" imgH="5550674" progId="Visio.Drawing.15">
                   <p:embed/>
                 </p:oleObj>
               </mc:Choice>
               <mc:Fallback>
-                <p:oleObj name="Visio" r:id="rId3" imgW="4157887" imgH="5550674" progId="Visio.Drawing.15">
+                <p:oleObj name="Visio" r:id="rId4" imgW="4157887" imgH="5550674" progId="Visio.Drawing.15">
                   <p:embed/>
                   <p:pic>
                     <p:nvPicPr>
@@ -6671,7 +7493,7 @@
                       <p:nvPr/>
                     </p:nvPicPr>
                     <p:blipFill>
-                      <a:blip r:embed="rId4"/>
+                      <a:blip r:embed="rId5"/>
                       <a:srcRect/>
                       <a:stretch>
                         <a:fillRect/>
@@ -6779,12 +7601,12 @@
           <a:graphicData uri="http://schemas.openxmlformats.org/presentationml/2006/ole">
             <mc:AlternateContent xmlns:mc="http://schemas.openxmlformats.org/markup-compatibility/2006">
               <mc:Choice xmlns:v="urn:schemas-microsoft-com:vml" Requires="v">
-                <p:oleObj spid="_x0000_s9296" name="Visio" r:id="rId5" imgW="3133855" imgH="10572165" progId="Visio.Drawing.15">
+                <p:oleObj spid="_x0000_s9310" name="Visio" r:id="rId6" imgW="3133855" imgH="10572165" progId="Visio.Drawing.15">
                   <p:embed/>
                 </p:oleObj>
               </mc:Choice>
               <mc:Fallback>
-                <p:oleObj name="Visio" r:id="rId5" imgW="3133855" imgH="10572165" progId="Visio.Drawing.15">
+                <p:oleObj name="Visio" r:id="rId6" imgW="3133855" imgH="10572165" progId="Visio.Drawing.15">
                   <p:embed/>
                   <p:pic>
                     <p:nvPicPr>
@@ -6795,7 +7617,7 @@
                       <p:nvPr/>
                     </p:nvPicPr>
                     <p:blipFill>
-                      <a:blip r:embed="rId6"/>
+                      <a:blip r:embed="rId7"/>
                       <a:srcRect/>
                       <a:stretch>
                         <a:fillRect/>
@@ -12593,7 +13415,7 @@
           <p:nvPr/>
         </p:nvPicPr>
         <p:blipFill>
-          <a:blip r:embed="rId2" cstate="print">
+          <a:blip r:embed="rId3" cstate="print">
             <a:extLst>
               <a:ext uri="{28A0092B-C50C-407E-A947-70E740481C1C}">
                 <a14:useLocalDpi xmlns:a14="http://schemas.microsoft.com/office/drawing/2010/main" val="0"/>
@@ -14516,7 +15338,44 @@
                   <a:ea typeface="微软雅黑 Light" panose="020B0502040204020203" pitchFamily="34" charset="-122"/>
                   <a:sym typeface="微软雅黑" panose="020B0503020204020204" pitchFamily="34" charset="-122"/>
                 </a:rPr>
-                <a:t>异源异构</a:t>
+                <a:t>异</a:t>
+              </a:r>
+              <a:r>
+                <a:rPr lang="zh-CN" altLang="en-US" sz="2000" dirty="0" smtClean="0">
+                  <a:solidFill>
+                    <a:schemeClr val="bg1"/>
+                  </a:solidFill>
+                  <a:latin typeface="微软雅黑" panose="020B0503020204020204" pitchFamily="34" charset="-122"/>
+                  <a:ea typeface="微软雅黑 Light" panose="020B0502040204020203" pitchFamily="34" charset="-122"/>
+                  <a:sym typeface="微软雅黑" panose="020B0503020204020204" pitchFamily="34" charset="-122"/>
+                </a:rPr>
+                <a:t>源</a:t>
+              </a:r>
+              <a:endParaRPr lang="en-US" altLang="zh-CN" sz="2000" dirty="0" smtClean="0">
+                <a:solidFill>
+                  <a:schemeClr val="bg1"/>
+                </a:solidFill>
+                <a:latin typeface="微软雅黑" panose="020B0503020204020204" pitchFamily="34" charset="-122"/>
+                <a:ea typeface="微软雅黑 Light" panose="020B0502040204020203" pitchFamily="34" charset="-122"/>
+                <a:sym typeface="微软雅黑" panose="020B0503020204020204" pitchFamily="34" charset="-122"/>
+              </a:endParaRPr>
+            </a:p>
+            <a:p>
+              <a:pPr algn="ctr">
+                <a:lnSpc>
+                  <a:spcPct val="150000"/>
+                </a:lnSpc>
+              </a:pPr>
+              <a:r>
+                <a:rPr lang="zh-CN" altLang="en-US" sz="2000" dirty="0" smtClean="0">
+                  <a:solidFill>
+                    <a:schemeClr val="bg1"/>
+                  </a:solidFill>
+                  <a:latin typeface="微软雅黑" panose="020B0503020204020204" pitchFamily="34" charset="-122"/>
+                  <a:ea typeface="微软雅黑 Light" panose="020B0502040204020203" pitchFamily="34" charset="-122"/>
+                  <a:sym typeface="微软雅黑" panose="020B0503020204020204" pitchFamily="34" charset="-122"/>
+                </a:rPr>
+                <a:t>异构</a:t>
               </a:r>
               <a:endParaRPr lang="en-US" altLang="zh-CN" sz="2000" dirty="0" smtClean="0">
                 <a:solidFill>
@@ -14877,7 +15736,7 @@
           <a:graphicData uri="http://schemas.openxmlformats.org/presentationml/2006/ole">
             <mc:AlternateContent xmlns:mc="http://schemas.openxmlformats.org/markup-compatibility/2006">
               <mc:Choice xmlns:v="urn:schemas-microsoft-com:vml" Requires="v">
-                <p:oleObj spid="_x0000_s1071" name="Visio" r:id="rId4" imgW="4954995" imgH="744492" progId="Visio.Drawing.15">
+                <p:oleObj spid="_x0000_s1077" name="Visio" r:id="rId4" imgW="4954995" imgH="744492" progId="Visio.Drawing.15">
                   <p:embed/>
                 </p:oleObj>
               </mc:Choice>
@@ -17424,7 +18283,7 @@
                 <a:r>
                   <a:rPr lang="en-US" altLang="zh-CN" sz="1600" dirty="0" smtClean="0">
                     <a:solidFill>
-                      <a:schemeClr val="bg1"/>
+                      <a:srgbClr val="00B0F0"/>
                     </a:solidFill>
                   </a:rPr>
                   <a:t>Actual </a:t>
@@ -17432,7 +18291,7 @@
                 <a:r>
                   <a:rPr lang="en-US" altLang="zh-CN" sz="1600" dirty="0">
                     <a:solidFill>
-                      <a:schemeClr val="bg1"/>
+                      <a:srgbClr val="00B0F0"/>
                     </a:solidFill>
                   </a:rPr>
                   <a:t>Departure </a:t>
@@ -17440,7 +18299,7 @@
                 <a:r>
                   <a:rPr lang="en-US" altLang="zh-CN" sz="1600" dirty="0" smtClean="0">
                     <a:solidFill>
-                      <a:schemeClr val="bg1"/>
+                      <a:srgbClr val="00B0F0"/>
                     </a:solidFill>
                   </a:rPr>
                   <a:t>Time</a:t>
@@ -17719,11 +18578,35 @@
                       <a:schemeClr val="bg1"/>
                     </a:solidFill>
                   </a:rPr>
-                  <a:t>Gate Time, Takeoff Time, Terminal, Gate, Runway</a:t>
+                  <a:t>Gate Time, </a:t>
+                </a:r>
+                <a:r>
+                  <a:rPr lang="en-US" altLang="zh-CN" sz="1600" dirty="0">
+                    <a:solidFill>
+                      <a:srgbClr val="00B0F0"/>
+                    </a:solidFill>
+                  </a:rPr>
+                  <a:t>Takeoff Time</a:t>
+                </a:r>
+                <a:r>
+                  <a:rPr lang="en-US" altLang="zh-CN" sz="1600" dirty="0">
+                    <a:solidFill>
+                      <a:schemeClr val="bg1"/>
+                    </a:solidFill>
+                  </a:rPr>
+                  <a:t>, Terminal, Gate, </a:t>
+                </a:r>
+                <a:r>
+                  <a:rPr lang="en-US" altLang="zh-CN" sz="1600" dirty="0">
+                    <a:solidFill>
+                      <a:srgbClr val="FFFF00"/>
+                    </a:solidFill>
+                  </a:rPr>
+                  <a:t>Runway</a:t>
                 </a:r>
                 <a:endParaRPr lang="zh-CN" altLang="en-US" sz="2000" dirty="0">
                   <a:solidFill>
-                    <a:schemeClr val="bg1"/>
+                    <a:srgbClr val="FFFF00"/>
                   </a:solidFill>
                 </a:endParaRPr>
               </a:p>
@@ -18764,12 +19647,16 @@
               <a:t>。</a:t>
             </a:r>
             <a:r>
-              <a:rPr lang="zh-CN" altLang="en-US" sz="2000" dirty="0"/>
-              <a:t>同时保证</a:t>
+              <a:rPr lang="zh-CN" altLang="en-US" sz="2000" dirty="0" smtClean="0"/>
+              <a:t>同时为了保证</a:t>
+            </a:r>
+            <a:r>
+              <a:rPr lang="zh-CN" altLang="zh-CN" sz="2000" dirty="0" smtClean="0"/>
+              <a:t>这个</a:t>
             </a:r>
             <a:r>
               <a:rPr lang="zh-CN" altLang="zh-CN" sz="2000" dirty="0"/>
-              <a:t>保证这个系统的可用性和展示效果，应设计友好的用户界面来</a:t>
+              <a:t>系统的可用性和展示效果，应设计友好的用户界面来</a:t>
             </a:r>
             <a:r>
               <a:rPr lang="zh-CN" altLang="zh-CN" sz="2000" b="1" dirty="0">
